--- a/Diagrams/Presentation1.pptx
+++ b/Diagrams/Presentation1.pptx
@@ -104,6 +104,11 @@
       </a:defRPr>
     </a:lvl9pPr>
   </p:defaultTextStyle>
+  <p:extLst>
+    <p:ext uri="{EFAFB233-063F-42B5-8137-9DF3F51BA10A}">
+      <p15:sldGuideLst xmlns:p15="http://schemas.microsoft.com/office/powerpoint/2012/main"/>
+    </p:ext>
+  </p:extLst>
 </p:presentation>
 </file>
 
@@ -238,7 +243,7 @@
           <a:p>
             <a:fld id="{F6D0DC95-96D7-4443-A9FE-D9D3645C5F4E}" type="datetimeFigureOut">
               <a:rPr lang="en-SG" smtClean="0"/>
-              <a:t>9/4/2019</a:t>
+              <a:t>10/4/2019</a:t>
             </a:fld>
             <a:endParaRPr lang="en-SG"/>
           </a:p>
@@ -408,7 +413,7 @@
           <a:p>
             <a:fld id="{F6D0DC95-96D7-4443-A9FE-D9D3645C5F4E}" type="datetimeFigureOut">
               <a:rPr lang="en-SG" smtClean="0"/>
-              <a:t>9/4/2019</a:t>
+              <a:t>10/4/2019</a:t>
             </a:fld>
             <a:endParaRPr lang="en-SG"/>
           </a:p>
@@ -588,7 +593,7 @@
           <a:p>
             <a:fld id="{F6D0DC95-96D7-4443-A9FE-D9D3645C5F4E}" type="datetimeFigureOut">
               <a:rPr lang="en-SG" smtClean="0"/>
-              <a:t>9/4/2019</a:t>
+              <a:t>10/4/2019</a:t>
             </a:fld>
             <a:endParaRPr lang="en-SG"/>
           </a:p>
@@ -758,7 +763,7 @@
           <a:p>
             <a:fld id="{F6D0DC95-96D7-4443-A9FE-D9D3645C5F4E}" type="datetimeFigureOut">
               <a:rPr lang="en-SG" smtClean="0"/>
-              <a:t>9/4/2019</a:t>
+              <a:t>10/4/2019</a:t>
             </a:fld>
             <a:endParaRPr lang="en-SG"/>
           </a:p>
@@ -1002,7 +1007,7 @@
           <a:p>
             <a:fld id="{F6D0DC95-96D7-4443-A9FE-D9D3645C5F4E}" type="datetimeFigureOut">
               <a:rPr lang="en-SG" smtClean="0"/>
-              <a:t>9/4/2019</a:t>
+              <a:t>10/4/2019</a:t>
             </a:fld>
             <a:endParaRPr lang="en-SG"/>
           </a:p>
@@ -1234,7 +1239,7 @@
           <a:p>
             <a:fld id="{F6D0DC95-96D7-4443-A9FE-D9D3645C5F4E}" type="datetimeFigureOut">
               <a:rPr lang="en-SG" smtClean="0"/>
-              <a:t>9/4/2019</a:t>
+              <a:t>10/4/2019</a:t>
             </a:fld>
             <a:endParaRPr lang="en-SG"/>
           </a:p>
@@ -1601,7 +1606,7 @@
           <a:p>
             <a:fld id="{F6D0DC95-96D7-4443-A9FE-D9D3645C5F4E}" type="datetimeFigureOut">
               <a:rPr lang="en-SG" smtClean="0"/>
-              <a:t>9/4/2019</a:t>
+              <a:t>10/4/2019</a:t>
             </a:fld>
             <a:endParaRPr lang="en-SG"/>
           </a:p>
@@ -1719,7 +1724,7 @@
           <a:p>
             <a:fld id="{F6D0DC95-96D7-4443-A9FE-D9D3645C5F4E}" type="datetimeFigureOut">
               <a:rPr lang="en-SG" smtClean="0"/>
-              <a:t>9/4/2019</a:t>
+              <a:t>10/4/2019</a:t>
             </a:fld>
             <a:endParaRPr lang="en-SG"/>
           </a:p>
@@ -1814,7 +1819,7 @@
           <a:p>
             <a:fld id="{F6D0DC95-96D7-4443-A9FE-D9D3645C5F4E}" type="datetimeFigureOut">
               <a:rPr lang="en-SG" smtClean="0"/>
-              <a:t>9/4/2019</a:t>
+              <a:t>10/4/2019</a:t>
             </a:fld>
             <a:endParaRPr lang="en-SG"/>
           </a:p>
@@ -2091,7 +2096,7 @@
           <a:p>
             <a:fld id="{F6D0DC95-96D7-4443-A9FE-D9D3645C5F4E}" type="datetimeFigureOut">
               <a:rPr lang="en-SG" smtClean="0"/>
-              <a:t>9/4/2019</a:t>
+              <a:t>10/4/2019</a:t>
             </a:fld>
             <a:endParaRPr lang="en-SG"/>
           </a:p>
@@ -2348,7 +2353,7 @@
           <a:p>
             <a:fld id="{F6D0DC95-96D7-4443-A9FE-D9D3645C5F4E}" type="datetimeFigureOut">
               <a:rPr lang="en-SG" smtClean="0"/>
-              <a:t>9/4/2019</a:t>
+              <a:t>10/4/2019</a:t>
             </a:fld>
             <a:endParaRPr lang="en-SG"/>
           </a:p>
@@ -2561,7 +2566,7 @@
           <a:p>
             <a:fld id="{F6D0DC95-96D7-4443-A9FE-D9D3645C5F4E}" type="datetimeFigureOut">
               <a:rPr lang="en-SG" smtClean="0"/>
-              <a:t>9/4/2019</a:t>
+              <a:t>10/4/2019</a:t>
             </a:fld>
             <a:endParaRPr lang="en-SG"/>
           </a:p>
@@ -2991,7 +2996,7 @@
         </p:blipFill>
         <p:spPr bwMode="auto">
           <a:xfrm>
-            <a:off x="-4251161" y="-850820"/>
+            <a:off x="-6674873" y="-877802"/>
             <a:ext cx="4210685" cy="6040755"/>
           </a:xfrm>
           <a:prstGeom prst="rect">
@@ -3030,7 +3035,7 @@
         </p:blipFill>
         <p:spPr>
           <a:xfrm>
-            <a:off x="-3303492" y="52763"/>
+            <a:off x="-6162082" y="-877802"/>
             <a:ext cx="5515726" cy="3905000"/>
           </a:xfrm>
           <a:prstGeom prst="rect">
@@ -3120,8 +3125,8 @@
           </a:p>
         </p:txBody>
       </p:sp>
-      <mc:AlternateContent xmlns:mc="http://schemas.openxmlformats.org/markup-compatibility/2006">
-        <mc:Choice xmlns:a14="http://schemas.microsoft.com/office/drawing/2010/main" Requires="a14">
+      <mc:AlternateContent xmlns:mc="http://schemas.openxmlformats.org/markup-compatibility/2006" xmlns:a14="http://schemas.microsoft.com/office/drawing/2010/main">
+        <mc:Choice Requires="a14">
           <p:sp>
             <p:nvSpPr>
               <p:cNvPr id="8" name="TextBox 7">
@@ -3320,7 +3325,7 @@
             </p:txBody>
           </p:sp>
         </mc:Choice>
-        <mc:Fallback>
+        <mc:Fallback xmlns="">
           <p:sp>
             <p:nvSpPr>
               <p:cNvPr id="8" name="TextBox 7">
@@ -3592,8 +3597,8 @@
           </a:fontRef>
         </p:style>
       </p:cxnSp>
-      <mc:AlternateContent xmlns:mc="http://schemas.openxmlformats.org/markup-compatibility/2006">
-        <mc:Choice xmlns:a14="http://schemas.microsoft.com/office/drawing/2010/main" Requires="a14">
+      <mc:AlternateContent xmlns:mc="http://schemas.openxmlformats.org/markup-compatibility/2006" xmlns:a14="http://schemas.microsoft.com/office/drawing/2010/main">
+        <mc:Choice Requires="a14">
           <p:sp>
             <p:nvSpPr>
               <p:cNvPr id="17" name="TextBox 16">
@@ -3695,7 +3700,7 @@
             </p:txBody>
           </p:sp>
         </mc:Choice>
-        <mc:Fallback>
+        <mc:Fallback xmlns="">
           <p:sp>
             <p:nvSpPr>
               <p:cNvPr id="17" name="TextBox 16">
@@ -3860,8 +3865,8 @@
           </a:fontRef>
         </p:style>
       </p:cxnSp>
-      <mc:AlternateContent xmlns:mc="http://schemas.openxmlformats.org/markup-compatibility/2006">
-        <mc:Choice xmlns:a14="http://schemas.microsoft.com/office/drawing/2010/main" Requires="a14">
+      <mc:AlternateContent xmlns:mc="http://schemas.openxmlformats.org/markup-compatibility/2006" xmlns:a14="http://schemas.microsoft.com/office/drawing/2010/main">
+        <mc:Choice Requires="a14">
           <p:sp>
             <p:nvSpPr>
               <p:cNvPr id="25" name="TextBox 24">
@@ -3956,7 +3961,7 @@
             </p:txBody>
           </p:sp>
         </mc:Choice>
-        <mc:Fallback>
+        <mc:Fallback xmlns="">
           <p:sp>
             <p:nvSpPr>
               <p:cNvPr id="25" name="TextBox 24">
@@ -4175,8 +4180,8 @@
             </p:nvSpPr>
             <p:spPr>
               <a:xfrm>
-                <a:off x="-880529" y="4802185"/>
-                <a:ext cx="2538546" cy="1384995"/>
+                <a:off x="-1243280" y="4675666"/>
+                <a:ext cx="2805212" cy="2031325"/>
               </a:xfrm>
               <a:prstGeom prst="rect">
                 <a:avLst/>
@@ -4203,7 +4208,64 @@
                     <a:latin typeface="Times New Roman" panose="02020603050405020304" pitchFamily="18" charset="0"/>
                     <a:cs typeface="Times New Roman" panose="02020603050405020304" pitchFamily="18" charset="0"/>
                   </a:rPr>
-                  <a:t>- Decrypt signed certificate</a:t>
+                  <a:t>- Extract CA’s public key from CACSE.crt</a:t>
+                </a:r>
+              </a:p>
+              <a:p>
+                <a:r>
+                  <a:rPr lang="en-SG" sz="1400" dirty="0">
+                    <a:latin typeface="Times New Roman" panose="02020603050405020304" pitchFamily="18" charset="0"/>
+                    <a:cs typeface="Times New Roman" panose="02020603050405020304" pitchFamily="18" charset="0"/>
+                  </a:rPr>
+                  <a:t>- Verify Server’s cert with CA’s public key (</a:t>
+                </a:r>
+                <a14:m>
+                  <m:oMath xmlns:m="http://schemas.openxmlformats.org/officeDocument/2006/math">
+                    <m:sSubSup>
+                      <m:sSubSupPr>
+                        <m:ctrlPr>
+                          <a:rPr lang="en-SG" sz="1400" b="1" i="1">
+                            <a:latin typeface="Cambria Math" panose="02040503050406030204" pitchFamily="18" charset="0"/>
+                            <a:cs typeface="Times New Roman" panose="02020603050405020304" pitchFamily="18" charset="0"/>
+                          </a:rPr>
+                        </m:ctrlPr>
+                      </m:sSubSupPr>
+                      <m:e>
+                        <m:r>
+                          <a:rPr lang="en-SG" sz="1400" b="1" i="1">
+                            <a:latin typeface="Cambria Math" panose="02040503050406030204" pitchFamily="18" charset="0"/>
+                            <a:cs typeface="Times New Roman" panose="02020603050405020304" pitchFamily="18" charset="0"/>
+                          </a:rPr>
+                          <m:t>𝑲</m:t>
+                        </m:r>
+                      </m:e>
+                      <m:sub>
+                        <m:r>
+                          <a:rPr lang="en-SG" sz="1400" b="1" i="1" smtClean="0">
+                            <a:latin typeface="Cambria Math" panose="02040503050406030204" pitchFamily="18" charset="0"/>
+                            <a:cs typeface="Times New Roman" panose="02020603050405020304" pitchFamily="18" charset="0"/>
+                          </a:rPr>
+                          <m:t>𝑪𝑨</m:t>
+                        </m:r>
+                      </m:sub>
+                      <m:sup>
+                        <m:r>
+                          <a:rPr lang="en-SG" sz="1400" b="1" i="1">
+                            <a:latin typeface="Cambria Math" panose="02040503050406030204" pitchFamily="18" charset="0"/>
+                            <a:cs typeface="Times New Roman" panose="02020603050405020304" pitchFamily="18" charset="0"/>
+                          </a:rPr>
+                          <m:t>+</m:t>
+                        </m:r>
+                      </m:sup>
+                    </m:sSubSup>
+                  </m:oMath>
+                </a14:m>
+                <a:r>
+                  <a:rPr lang="en-SG" sz="1400" dirty="0">
+                    <a:latin typeface="Times New Roman" panose="02020603050405020304" pitchFamily="18" charset="0"/>
+                    <a:cs typeface="Times New Roman" panose="02020603050405020304" pitchFamily="18" charset="0"/>
+                  </a:rPr>
+                  <a:t>) </a:t>
                 </a:r>
               </a:p>
               <a:p>
@@ -4255,13 +4317,10 @@
                     </m:sSubSup>
                   </m:oMath>
                 </a14:m>
-                <a:r>
-                  <a:rPr lang="en-SG" sz="1400" dirty="0">
-                    <a:latin typeface="Times New Roman" panose="02020603050405020304" pitchFamily="18" charset="0"/>
-                    <a:cs typeface="Times New Roman" panose="02020603050405020304" pitchFamily="18" charset="0"/>
-                  </a:rPr>
-                  <a:t> (public key)</a:t>
-                </a:r>
+                <a:endParaRPr lang="en-SG" sz="1400" dirty="0">
+                  <a:latin typeface="Times New Roman" panose="02020603050405020304" pitchFamily="18" charset="0"/>
+                  <a:cs typeface="Times New Roman" panose="02020603050405020304" pitchFamily="18" charset="0"/>
+                </a:endParaRPr>
               </a:p>
               <a:p>
                 <a:r>
@@ -4502,8 +4561,8 @@
             </p:nvSpPr>
             <p:spPr>
               <a:xfrm>
-                <a:off x="-880529" y="4802185"/>
-                <a:ext cx="2538546" cy="1384995"/>
+                <a:off x="-1243280" y="4675666"/>
+                <a:ext cx="2805212" cy="2031325"/>
               </a:xfrm>
               <a:prstGeom prst="rect">
                 <a:avLst/>
@@ -4511,7 +4570,7 @@
               <a:blipFill>
                 <a:blip r:embed="rId7"/>
                 <a:stretch>
-                  <a:fillRect l="-721" t="-881" b="-3524"/>
+                  <a:fillRect l="-652" t="-601" b="-2703"/>
                 </a:stretch>
               </a:blipFill>
             </p:spPr>

--- a/Diagrams/Presentation1.pptx
+++ b/Diagrams/Presentation1.pptx
@@ -6,6 +6,7 @@
   </p:sldMasterIdLst>
   <p:sldIdLst>
     <p:sldId id="256" r:id="rId2"/>
+    <p:sldId id="257" r:id="rId3"/>
   </p:sldIdLst>
   <p:sldSz cx="6858000" cy="9906000" type="A4"/>
   <p:notesSz cx="6858000" cy="9144000"/>
@@ -243,7 +244,7 @@
           <a:p>
             <a:fld id="{F6D0DC95-96D7-4443-A9FE-D9D3645C5F4E}" type="datetimeFigureOut">
               <a:rPr lang="en-SG" smtClean="0"/>
-              <a:t>10/4/2019</a:t>
+              <a:t>11/4/2019</a:t>
             </a:fld>
             <a:endParaRPr lang="en-SG"/>
           </a:p>
@@ -413,7 +414,7 @@
           <a:p>
             <a:fld id="{F6D0DC95-96D7-4443-A9FE-D9D3645C5F4E}" type="datetimeFigureOut">
               <a:rPr lang="en-SG" smtClean="0"/>
-              <a:t>10/4/2019</a:t>
+              <a:t>11/4/2019</a:t>
             </a:fld>
             <a:endParaRPr lang="en-SG"/>
           </a:p>
@@ -593,7 +594,7 @@
           <a:p>
             <a:fld id="{F6D0DC95-96D7-4443-A9FE-D9D3645C5F4E}" type="datetimeFigureOut">
               <a:rPr lang="en-SG" smtClean="0"/>
-              <a:t>10/4/2019</a:t>
+              <a:t>11/4/2019</a:t>
             </a:fld>
             <a:endParaRPr lang="en-SG"/>
           </a:p>
@@ -763,7 +764,7 @@
           <a:p>
             <a:fld id="{F6D0DC95-96D7-4443-A9FE-D9D3645C5F4E}" type="datetimeFigureOut">
               <a:rPr lang="en-SG" smtClean="0"/>
-              <a:t>10/4/2019</a:t>
+              <a:t>11/4/2019</a:t>
             </a:fld>
             <a:endParaRPr lang="en-SG"/>
           </a:p>
@@ -1007,7 +1008,7 @@
           <a:p>
             <a:fld id="{F6D0DC95-96D7-4443-A9FE-D9D3645C5F4E}" type="datetimeFigureOut">
               <a:rPr lang="en-SG" smtClean="0"/>
-              <a:t>10/4/2019</a:t>
+              <a:t>11/4/2019</a:t>
             </a:fld>
             <a:endParaRPr lang="en-SG"/>
           </a:p>
@@ -1239,7 +1240,7 @@
           <a:p>
             <a:fld id="{F6D0DC95-96D7-4443-A9FE-D9D3645C5F4E}" type="datetimeFigureOut">
               <a:rPr lang="en-SG" smtClean="0"/>
-              <a:t>10/4/2019</a:t>
+              <a:t>11/4/2019</a:t>
             </a:fld>
             <a:endParaRPr lang="en-SG"/>
           </a:p>
@@ -1606,7 +1607,7 @@
           <a:p>
             <a:fld id="{F6D0DC95-96D7-4443-A9FE-D9D3645C5F4E}" type="datetimeFigureOut">
               <a:rPr lang="en-SG" smtClean="0"/>
-              <a:t>10/4/2019</a:t>
+              <a:t>11/4/2019</a:t>
             </a:fld>
             <a:endParaRPr lang="en-SG"/>
           </a:p>
@@ -1724,7 +1725,7 @@
           <a:p>
             <a:fld id="{F6D0DC95-96D7-4443-A9FE-D9D3645C5F4E}" type="datetimeFigureOut">
               <a:rPr lang="en-SG" smtClean="0"/>
-              <a:t>10/4/2019</a:t>
+              <a:t>11/4/2019</a:t>
             </a:fld>
             <a:endParaRPr lang="en-SG"/>
           </a:p>
@@ -1819,7 +1820,7 @@
           <a:p>
             <a:fld id="{F6D0DC95-96D7-4443-A9FE-D9D3645C5F4E}" type="datetimeFigureOut">
               <a:rPr lang="en-SG" smtClean="0"/>
-              <a:t>10/4/2019</a:t>
+              <a:t>11/4/2019</a:t>
             </a:fld>
             <a:endParaRPr lang="en-SG"/>
           </a:p>
@@ -2096,7 +2097,7 @@
           <a:p>
             <a:fld id="{F6D0DC95-96D7-4443-A9FE-D9D3645C5F4E}" type="datetimeFigureOut">
               <a:rPr lang="en-SG" smtClean="0"/>
-              <a:t>10/4/2019</a:t>
+              <a:t>11/4/2019</a:t>
             </a:fld>
             <a:endParaRPr lang="en-SG"/>
           </a:p>
@@ -2353,7 +2354,7 @@
           <a:p>
             <a:fld id="{F6D0DC95-96D7-4443-A9FE-D9D3645C5F4E}" type="datetimeFigureOut">
               <a:rPr lang="en-SG" smtClean="0"/>
-              <a:t>10/4/2019</a:t>
+              <a:t>11/4/2019</a:t>
             </a:fld>
             <a:endParaRPr lang="en-SG"/>
           </a:p>
@@ -2566,7 +2567,7 @@
           <a:p>
             <a:fld id="{F6D0DC95-96D7-4443-A9FE-D9D3645C5F4E}" type="datetimeFigureOut">
               <a:rPr lang="en-SG" smtClean="0"/>
-              <a:t>10/4/2019</a:t>
+              <a:t>11/4/2019</a:t>
             </a:fld>
             <a:endParaRPr lang="en-SG"/>
           </a:p>
@@ -3465,10 +3466,10 @@
       </p:cxnSp>
       <p:cxnSp>
         <p:nvCxnSpPr>
-          <p:cNvPr id="14" name="Straight Arrow Connector 13">
+          <p:cNvPr id="22" name="Straight Arrow Connector 21">
             <a:extLst>
               <a:ext uri="{FF2B5EF4-FFF2-40B4-BE49-F238E27FC236}">
-                <a16:creationId xmlns:a16="http://schemas.microsoft.com/office/drawing/2014/main" id="{6200940A-C9E1-4C90-B94A-F2DB0DC0B699}"/>
+                <a16:creationId xmlns:a16="http://schemas.microsoft.com/office/drawing/2014/main" id="{390345B3-25C4-4F27-A304-4808F7FB5E38}"/>
               </a:ext>
             </a:extLst>
           </p:cNvPr>
@@ -3477,7 +3478,7 @@
         </p:nvCxnSpPr>
         <p:spPr>
           <a:xfrm>
-            <a:off x="1491506" y="1667933"/>
+            <a:off x="1500660" y="1502480"/>
             <a:ext cx="3893293" cy="381000"/>
           </a:xfrm>
           <a:prstGeom prst="straightConnector1">
@@ -3505,288 +3506,6 @@
       </p:cxnSp>
       <p:sp>
         <p:nvSpPr>
-          <p:cNvPr id="15" name="TextBox 14">
-            <a:extLst>
-              <a:ext uri="{FF2B5EF4-FFF2-40B4-BE49-F238E27FC236}">
-                <a16:creationId xmlns:a16="http://schemas.microsoft.com/office/drawing/2014/main" id="{C46BDC78-ECF5-49F3-8EDD-CA8C6788B4FE}"/>
-              </a:ext>
-            </a:extLst>
-          </p:cNvPr>
-          <p:cNvSpPr txBox="1"/>
-          <p:nvPr/>
-        </p:nvSpPr>
-        <p:spPr>
-          <a:xfrm rot="324564">
-            <a:off x="1792070" y="1568009"/>
-            <a:ext cx="3440365" cy="307777"/>
-          </a:xfrm>
-          <a:prstGeom prst="rect">
-            <a:avLst/>
-          </a:prstGeom>
-          <a:noFill/>
-        </p:spPr>
-        <p:txBody>
-          <a:bodyPr wrap="none" rtlCol="0">
-            <a:spAutoFit/>
-          </a:bodyPr>
-          <a:lstStyle/>
-          <a:p>
-            <a:r>
-              <a:rPr lang="en-SG" sz="1400" dirty="0">
-                <a:latin typeface="Times New Roman" panose="02020603050405020304" pitchFamily="18" charset="0"/>
-                <a:cs typeface="Times New Roman" panose="02020603050405020304" pitchFamily="18" charset="0"/>
-              </a:rPr>
-              <a:t>“Hello </a:t>
-            </a:r>
-            <a:r>
-              <a:rPr lang="en-SG" sz="1400" dirty="0" err="1">
-                <a:latin typeface="Times New Roman" panose="02020603050405020304" pitchFamily="18" charset="0"/>
-                <a:cs typeface="Times New Roman" panose="02020603050405020304" pitchFamily="18" charset="0"/>
-              </a:rPr>
-              <a:t>SecStore</a:t>
-            </a:r>
-            <a:r>
-              <a:rPr lang="en-SG" sz="1400" dirty="0">
-                <a:latin typeface="Times New Roman" panose="02020603050405020304" pitchFamily="18" charset="0"/>
-                <a:cs typeface="Times New Roman" panose="02020603050405020304" pitchFamily="18" charset="0"/>
-              </a:rPr>
-              <a:t>, please prove your identity!”</a:t>
-            </a:r>
-          </a:p>
-        </p:txBody>
-      </p:sp>
-      <p:cxnSp>
-        <p:nvCxnSpPr>
-          <p:cNvPr id="16" name="Straight Arrow Connector 15">
-            <a:extLst>
-              <a:ext uri="{FF2B5EF4-FFF2-40B4-BE49-F238E27FC236}">
-                <a16:creationId xmlns:a16="http://schemas.microsoft.com/office/drawing/2014/main" id="{A952476B-085F-4EC9-BFD8-01A70FEC88AD}"/>
-              </a:ext>
-            </a:extLst>
-          </p:cNvPr>
-          <p:cNvCxnSpPr>
-            <a:cxnSpLocks/>
-          </p:cNvCxnSpPr>
-          <p:nvPr/>
-        </p:nvCxnSpPr>
-        <p:spPr>
-          <a:xfrm flipH="1">
-            <a:off x="1500660" y="2328333"/>
-            <a:ext cx="3884140" cy="369916"/>
-          </a:xfrm>
-          <a:prstGeom prst="straightConnector1">
-            <a:avLst/>
-          </a:prstGeom>
-          <a:ln w="12700">
-            <a:headEnd type="none" w="med" len="med"/>
-            <a:tailEnd type="arrow" w="med" len="med"/>
-          </a:ln>
-        </p:spPr>
-        <p:style>
-          <a:lnRef idx="1">
-            <a:schemeClr val="dk1"/>
-          </a:lnRef>
-          <a:fillRef idx="0">
-            <a:schemeClr val="dk1"/>
-          </a:fillRef>
-          <a:effectRef idx="0">
-            <a:schemeClr val="dk1"/>
-          </a:effectRef>
-          <a:fontRef idx="minor">
-            <a:schemeClr val="tx1"/>
-          </a:fontRef>
-        </p:style>
-      </p:cxnSp>
-      <mc:AlternateContent xmlns:mc="http://schemas.openxmlformats.org/markup-compatibility/2006" xmlns:a14="http://schemas.microsoft.com/office/drawing/2010/main">
-        <mc:Choice Requires="a14">
-          <p:sp>
-            <p:nvSpPr>
-              <p:cNvPr id="17" name="TextBox 16">
-                <a:extLst>
-                  <a:ext uri="{FF2B5EF4-FFF2-40B4-BE49-F238E27FC236}">
-                    <a16:creationId xmlns:a16="http://schemas.microsoft.com/office/drawing/2014/main" id="{D73291A3-21DB-484D-ABAA-B5F2D9DB132B}"/>
-                  </a:ext>
-                </a:extLst>
-              </p:cNvPr>
-              <p:cNvSpPr txBox="1"/>
-              <p:nvPr/>
-            </p:nvSpPr>
-            <p:spPr>
-              <a:xfrm rot="21274454">
-                <a:off x="2062464" y="2185330"/>
-                <a:ext cx="2899576" cy="307777"/>
-              </a:xfrm>
-              <a:prstGeom prst="rect">
-                <a:avLst/>
-              </a:prstGeom>
-              <a:noFill/>
-            </p:spPr>
-            <p:txBody>
-              <a:bodyPr wrap="none" rtlCol="0">
-                <a:spAutoFit/>
-              </a:bodyPr>
-              <a:lstStyle/>
-              <a:p>
-                <a:r>
-                  <a:rPr lang="en-SG" sz="1400" dirty="0">
-                    <a:latin typeface="Times New Roman" panose="02020603050405020304" pitchFamily="18" charset="0"/>
-                    <a:cs typeface="Times New Roman" panose="02020603050405020304" pitchFamily="18" charset="0"/>
-                  </a:rPr>
-                  <a:t>M = </a:t>
-                </a:r>
-                <a14:m>
-                  <m:oMath xmlns:m="http://schemas.openxmlformats.org/officeDocument/2006/math">
-                    <m:sSubSup>
-                      <m:sSubSupPr>
-                        <m:ctrlPr>
-                          <a:rPr lang="en-SG" sz="1400" b="1" i="1">
-                            <a:latin typeface="Cambria Math" panose="02040503050406030204" pitchFamily="18" charset="0"/>
-                            <a:cs typeface="Times New Roman" panose="02020603050405020304" pitchFamily="18" charset="0"/>
-                          </a:rPr>
-                        </m:ctrlPr>
-                      </m:sSubSupPr>
-                      <m:e>
-                        <m:r>
-                          <a:rPr lang="en-SG" sz="1400" b="1" i="1">
-                            <a:latin typeface="Cambria Math" panose="02040503050406030204" pitchFamily="18" charset="0"/>
-                            <a:cs typeface="Times New Roman" panose="02020603050405020304" pitchFamily="18" charset="0"/>
-                          </a:rPr>
-                          <m:t>𝑲</m:t>
-                        </m:r>
-                      </m:e>
-                      <m:sub>
-                        <m:r>
-                          <a:rPr lang="en-SG" sz="1400" b="1" i="1">
-                            <a:latin typeface="Cambria Math" panose="02040503050406030204" pitchFamily="18" charset="0"/>
-                            <a:cs typeface="Times New Roman" panose="02020603050405020304" pitchFamily="18" charset="0"/>
-                          </a:rPr>
-                          <m:t>𝑺</m:t>
-                        </m:r>
-                      </m:sub>
-                      <m:sup>
-                        <m:r>
-                          <a:rPr lang="en-SG" sz="1400" b="1" i="1">
-                            <a:latin typeface="Cambria Math" panose="02040503050406030204" pitchFamily="18" charset="0"/>
-                            <a:cs typeface="Times New Roman" panose="02020603050405020304" pitchFamily="18" charset="0"/>
-                          </a:rPr>
-                          <m:t>−</m:t>
-                        </m:r>
-                      </m:sup>
-                    </m:sSubSup>
-                  </m:oMath>
-                </a14:m>
-                <a:r>
-                  <a:rPr lang="en-SG" sz="1400" dirty="0">
-                    <a:latin typeface="Times New Roman" panose="02020603050405020304" pitchFamily="18" charset="0"/>
-                    <a:cs typeface="Times New Roman" panose="02020603050405020304" pitchFamily="18" charset="0"/>
-                  </a:rPr>
-                  <a:t>{ “Hello, this is </a:t>
-                </a:r>
-                <a:r>
-                  <a:rPr lang="en-SG" sz="1400" dirty="0" err="1">
-                    <a:latin typeface="Times New Roman" panose="02020603050405020304" pitchFamily="18" charset="0"/>
-                    <a:cs typeface="Times New Roman" panose="02020603050405020304" pitchFamily="18" charset="0"/>
-                  </a:rPr>
-                  <a:t>SecStore</a:t>
-                </a:r>
-                <a:r>
-                  <a:rPr lang="en-SG" sz="1400" dirty="0">
-                    <a:latin typeface="Times New Roman" panose="02020603050405020304" pitchFamily="18" charset="0"/>
-                    <a:cs typeface="Times New Roman" panose="02020603050405020304" pitchFamily="18" charset="0"/>
-                  </a:rPr>
-                  <a:t>!” } </a:t>
-                </a:r>
-              </a:p>
-            </p:txBody>
-          </p:sp>
-        </mc:Choice>
-        <mc:Fallback xmlns="">
-          <p:sp>
-            <p:nvSpPr>
-              <p:cNvPr id="17" name="TextBox 16">
-                <a:extLst>
-                  <a:ext uri="{FF2B5EF4-FFF2-40B4-BE49-F238E27FC236}">
-                    <a16:creationId xmlns:a16="http://schemas.microsoft.com/office/drawing/2014/main" id="{D73291A3-21DB-484D-ABAA-B5F2D9DB132B}"/>
-                  </a:ext>
-                </a:extLst>
-              </p:cNvPr>
-              <p:cNvSpPr txBox="1">
-                <a:spLocks noRot="1" noChangeAspect="1" noMove="1" noResize="1" noEditPoints="1" noAdjustHandles="1" noChangeArrowheads="1" noChangeShapeType="1" noTextEdit="1"/>
-              </p:cNvSpPr>
-              <p:nvPr/>
-            </p:nvSpPr>
-            <p:spPr>
-              <a:xfrm rot="21274454">
-                <a:off x="2062464" y="2185330"/>
-                <a:ext cx="2899576" cy="307777"/>
-              </a:xfrm>
-              <a:prstGeom prst="rect">
-                <a:avLst/>
-              </a:prstGeom>
-              <a:blipFill>
-                <a:blip r:embed="rId5"/>
-                <a:stretch>
-                  <a:fillRect l="-626" t="-1042" b="-10417"/>
-                </a:stretch>
-              </a:blipFill>
-            </p:spPr>
-            <p:txBody>
-              <a:bodyPr/>
-              <a:lstStyle/>
-              <a:p>
-                <a:r>
-                  <a:rPr lang="en-SG">
-                    <a:noFill/>
-                  </a:rPr>
-                  <a:t> </a:t>
-                </a:r>
-              </a:p>
-            </p:txBody>
-          </p:sp>
-        </mc:Fallback>
-      </mc:AlternateContent>
-      <p:cxnSp>
-        <p:nvCxnSpPr>
-          <p:cNvPr id="22" name="Straight Arrow Connector 21">
-            <a:extLst>
-              <a:ext uri="{FF2B5EF4-FFF2-40B4-BE49-F238E27FC236}">
-                <a16:creationId xmlns:a16="http://schemas.microsoft.com/office/drawing/2014/main" id="{390345B3-25C4-4F27-A304-4808F7FB5E38}"/>
-              </a:ext>
-            </a:extLst>
-          </p:cNvPr>
-          <p:cNvCxnSpPr/>
-          <p:nvPr/>
-        </p:nvCxnSpPr>
-        <p:spPr>
-          <a:xfrm>
-            <a:off x="1500660" y="3080807"/>
-            <a:ext cx="3893293" cy="381000"/>
-          </a:xfrm>
-          <a:prstGeom prst="straightConnector1">
-            <a:avLst/>
-          </a:prstGeom>
-          <a:ln w="12700">
-            <a:headEnd type="none" w="med" len="med"/>
-            <a:tailEnd type="arrow" w="med" len="med"/>
-          </a:ln>
-        </p:spPr>
-        <p:style>
-          <a:lnRef idx="1">
-            <a:schemeClr val="dk1"/>
-          </a:lnRef>
-          <a:fillRef idx="0">
-            <a:schemeClr val="dk1"/>
-          </a:fillRef>
-          <a:effectRef idx="0">
-            <a:schemeClr val="dk1"/>
-          </a:effectRef>
-          <a:fontRef idx="minor">
-            <a:schemeClr val="tx1"/>
-          </a:fontRef>
-        </p:style>
-      </p:cxnSp>
-      <p:sp>
-        <p:nvSpPr>
           <p:cNvPr id="23" name="TextBox 22">
             <a:extLst>
               <a:ext uri="{FF2B5EF4-FFF2-40B4-BE49-F238E27FC236}">
@@ -3799,7 +3518,7 @@
         </p:nvSpPr>
         <p:spPr>
           <a:xfrm rot="324564">
-            <a:off x="2600322" y="2980883"/>
+            <a:off x="2600322" y="1402556"/>
             <a:ext cx="1842171" cy="307777"/>
           </a:xfrm>
           <a:prstGeom prst="rect">
@@ -3839,7 +3558,7 @@
         </p:nvCxnSpPr>
         <p:spPr>
           <a:xfrm flipH="1">
-            <a:off x="1490134" y="3706502"/>
+            <a:off x="1490134" y="2128175"/>
             <a:ext cx="3884140" cy="369916"/>
           </a:xfrm>
           <a:prstGeom prst="straightConnector1">
@@ -3881,7 +3600,7 @@
             </p:nvSpPr>
             <p:spPr>
               <a:xfrm rot="21274454">
-                <a:off x="2742732" y="3563499"/>
+                <a:off x="2742732" y="1985172"/>
                 <a:ext cx="1484124" cy="307777"/>
               </a:xfrm>
               <a:prstGeom prst="rect">
@@ -3978,14 +3697,14 @@
             </p:nvSpPr>
             <p:spPr>
               <a:xfrm rot="21274454">
-                <a:off x="2742732" y="3563499"/>
+                <a:off x="2742732" y="1985172"/>
                 <a:ext cx="1484124" cy="307777"/>
               </a:xfrm>
               <a:prstGeom prst="rect">
                 <a:avLst/>
               </a:prstGeom>
               <a:blipFill>
-                <a:blip r:embed="rId6"/>
+                <a:blip r:embed="rId5"/>
                 <a:stretch>
                   <a:fillRect l="-1210" t="-1351" b="-13514"/>
                 </a:stretch>
@@ -4020,7 +3739,7 @@
         </p:nvCxnSpPr>
         <p:spPr>
           <a:xfrm>
-            <a:off x="1500660" y="4349113"/>
+            <a:off x="1500660" y="2770786"/>
             <a:ext cx="3893293" cy="381000"/>
           </a:xfrm>
           <a:prstGeom prst="straightConnector1">
@@ -4060,7 +3779,7 @@
         </p:nvSpPr>
         <p:spPr>
           <a:xfrm rot="324564">
-            <a:off x="1959924" y="4249189"/>
+            <a:off x="1959924" y="2670862"/>
             <a:ext cx="3122971" cy="307777"/>
           </a:xfrm>
           <a:prstGeom prst="rect">
@@ -4100,7 +3819,7 @@
         </p:nvCxnSpPr>
         <p:spPr>
           <a:xfrm flipH="1">
-            <a:off x="1509813" y="4922887"/>
+            <a:off x="1509813" y="3344560"/>
             <a:ext cx="3884140" cy="369916"/>
           </a:xfrm>
           <a:prstGeom prst="straightConnector1">
@@ -4140,7 +3859,7 @@
         </p:nvSpPr>
         <p:spPr>
           <a:xfrm rot="21274454">
-            <a:off x="2492921" y="4779884"/>
+            <a:off x="2492921" y="3201557"/>
             <a:ext cx="2056973" cy="307777"/>
           </a:xfrm>
           <a:prstGeom prst="rect">
@@ -4164,8 +3883,8 @@
           </a:p>
         </p:txBody>
       </p:sp>
-      <mc:AlternateContent xmlns:mc="http://schemas.openxmlformats.org/markup-compatibility/2006">
-        <mc:Choice xmlns:a14="http://schemas.microsoft.com/office/drawing/2010/main" Requires="a14">
+      <mc:AlternateContent xmlns:mc="http://schemas.openxmlformats.org/markup-compatibility/2006" xmlns:a14="http://schemas.microsoft.com/office/drawing/2010/main">
+        <mc:Choice Requires="a14">
           <p:sp>
             <p:nvSpPr>
               <p:cNvPr id="30" name="TextBox 29">
@@ -4180,7 +3899,7 @@
             </p:nvSpPr>
             <p:spPr>
               <a:xfrm>
-                <a:off x="-1243280" y="4675666"/>
+                <a:off x="-1243280" y="3097339"/>
                 <a:ext cx="2805212" cy="2031325"/>
               </a:xfrm>
               <a:prstGeom prst="rect">
@@ -4544,7 +4263,7 @@
             </p:txBody>
           </p:sp>
         </mc:Choice>
-        <mc:Fallback>
+        <mc:Fallback xmlns="">
           <p:sp>
             <p:nvSpPr>
               <p:cNvPr id="30" name="TextBox 29">
@@ -4561,14 +4280,14 @@
             </p:nvSpPr>
             <p:spPr>
               <a:xfrm>
-                <a:off x="-1243280" y="4675666"/>
+                <a:off x="-1243280" y="3097339"/>
                 <a:ext cx="2805212" cy="2031325"/>
               </a:xfrm>
               <a:prstGeom prst="rect">
                 <a:avLst/>
               </a:prstGeom>
               <a:blipFill>
-                <a:blip r:embed="rId7"/>
+                <a:blip r:embed="rId6"/>
                 <a:stretch>
                   <a:fillRect l="-652" t="-601" b="-2703"/>
                 </a:stretch>
@@ -4603,7 +4322,7 @@
         </p:nvSpPr>
         <p:spPr>
           <a:xfrm>
-            <a:off x="198685" y="6553103"/>
+            <a:off x="198685" y="4974776"/>
             <a:ext cx="1459332" cy="307777"/>
           </a:xfrm>
           <a:prstGeom prst="rect">
@@ -4644,7 +4363,7 @@
         </p:nvSpPr>
         <p:spPr>
           <a:xfrm>
-            <a:off x="-107259" y="7208363"/>
+            <a:off x="-107259" y="5630036"/>
             <a:ext cx="1765276" cy="307777"/>
           </a:xfrm>
           <a:prstGeom prst="rect">
@@ -4685,7 +4404,7 @@
         </p:nvCxnSpPr>
         <p:spPr>
           <a:xfrm>
-            <a:off x="1509813" y="6687950"/>
+            <a:off x="1509813" y="5109623"/>
             <a:ext cx="3893293" cy="381000"/>
           </a:xfrm>
           <a:prstGeom prst="straightConnector1">
@@ -4725,7 +4444,7 @@
         </p:nvSpPr>
         <p:spPr>
           <a:xfrm rot="324564">
-            <a:off x="3103367" y="6590038"/>
+            <a:off x="3103367" y="5011711"/>
             <a:ext cx="635110" cy="307777"/>
           </a:xfrm>
           <a:prstGeom prst="rect">
@@ -4763,7 +4482,7 @@
         </p:nvCxnSpPr>
         <p:spPr>
           <a:xfrm>
-            <a:off x="1499413" y="7423563"/>
+            <a:off x="1499413" y="5845236"/>
             <a:ext cx="3893293" cy="381000"/>
           </a:xfrm>
           <a:prstGeom prst="straightConnector1">
@@ -4803,7 +4522,7 @@
         </p:nvSpPr>
         <p:spPr>
           <a:xfrm rot="324564">
-            <a:off x="2382840" y="7325651"/>
+            <a:off x="2382840" y="5747324"/>
             <a:ext cx="2055371" cy="307777"/>
           </a:xfrm>
           <a:prstGeom prst="rect">
@@ -4827,10 +4546,2588 @@
           </a:p>
         </p:txBody>
       </p:sp>
+      <p:sp>
+        <p:nvSpPr>
+          <p:cNvPr id="32" name="TextBox 31">
+            <a:extLst>
+              <a:ext uri="{FF2B5EF4-FFF2-40B4-BE49-F238E27FC236}">
+                <a16:creationId xmlns:a16="http://schemas.microsoft.com/office/drawing/2014/main" id="{9251A511-870D-4B7C-B137-E4297B2973D2}"/>
+              </a:ext>
+            </a:extLst>
+          </p:cNvPr>
+          <p:cNvSpPr txBox="1"/>
+          <p:nvPr/>
+        </p:nvSpPr>
+        <p:spPr>
+          <a:xfrm>
+            <a:off x="2951352" y="227068"/>
+            <a:ext cx="800219" cy="646331"/>
+          </a:xfrm>
+          <a:prstGeom prst="rect">
+            <a:avLst/>
+          </a:prstGeom>
+          <a:noFill/>
+        </p:spPr>
+        <p:txBody>
+          <a:bodyPr wrap="none" rtlCol="0">
+            <a:spAutoFit/>
+          </a:bodyPr>
+          <a:lstStyle/>
+          <a:p>
+            <a:r>
+              <a:rPr lang="en-SG" sz="3600" b="1" dirty="0">
+                <a:latin typeface="Times New Roman" panose="02020603050405020304" pitchFamily="18" charset="0"/>
+                <a:cs typeface="Times New Roman" panose="02020603050405020304" pitchFamily="18" charset="0"/>
+              </a:rPr>
+              <a:t>AP</a:t>
+            </a:r>
+          </a:p>
+        </p:txBody>
+      </p:sp>
     </p:spTree>
     <p:extLst>
       <p:ext uri="{BB962C8B-B14F-4D97-AF65-F5344CB8AC3E}">
         <p14:creationId xmlns:p14="http://schemas.microsoft.com/office/powerpoint/2010/main" val="1771761658"/>
+      </p:ext>
+    </p:extLst>
+  </p:cSld>
+  <p:clrMapOvr>
+    <a:masterClrMapping/>
+  </p:clrMapOvr>
+</p:sld>
+</file>
+
+<file path=ppt/slides/slide2.xml><?xml version="1.0" encoding="utf-8"?>
+<p:sld xmlns:a="http://schemas.openxmlformats.org/drawingml/2006/main" xmlns:r="http://schemas.openxmlformats.org/officeDocument/2006/relationships" xmlns:p="http://schemas.openxmlformats.org/presentationml/2006/main">
+  <p:cSld>
+    <p:spTree>
+      <p:nvGrpSpPr>
+        <p:cNvPr id="1" name=""/>
+        <p:cNvGrpSpPr/>
+        <p:nvPr/>
+      </p:nvGrpSpPr>
+      <p:grpSpPr>
+        <a:xfrm>
+          <a:off x="0" y="0"/>
+          <a:ext cx="0" cy="0"/>
+          <a:chOff x="0" y="0"/>
+          <a:chExt cx="0" cy="0"/>
+        </a:xfrm>
+      </p:grpSpPr>
+      <p:sp>
+        <p:nvSpPr>
+          <p:cNvPr id="6" name="TextBox 5">
+            <a:extLst>
+              <a:ext uri="{FF2B5EF4-FFF2-40B4-BE49-F238E27FC236}">
+                <a16:creationId xmlns:a16="http://schemas.microsoft.com/office/drawing/2014/main" id="{1166B870-DB03-4EF3-B42E-F88EF4DD3927}"/>
+              </a:ext>
+            </a:extLst>
+          </p:cNvPr>
+          <p:cNvSpPr txBox="1"/>
+          <p:nvPr/>
+        </p:nvSpPr>
+        <p:spPr>
+          <a:xfrm>
+            <a:off x="1097809" y="890032"/>
+            <a:ext cx="787395" cy="369332"/>
+          </a:xfrm>
+          <a:prstGeom prst="rect">
+            <a:avLst/>
+          </a:prstGeom>
+          <a:noFill/>
+        </p:spPr>
+        <p:txBody>
+          <a:bodyPr wrap="none" rtlCol="0">
+            <a:spAutoFit/>
+          </a:bodyPr>
+          <a:lstStyle/>
+          <a:p>
+            <a:r>
+              <a:rPr lang="en-SG" b="1" dirty="0">
+                <a:solidFill>
+                  <a:srgbClr val="FF0000"/>
+                </a:solidFill>
+                <a:latin typeface="Times New Roman" panose="02020603050405020304" pitchFamily="18" charset="0"/>
+                <a:cs typeface="Times New Roman" panose="02020603050405020304" pitchFamily="18" charset="0"/>
+              </a:rPr>
+              <a:t>Client</a:t>
+            </a:r>
+          </a:p>
+        </p:txBody>
+      </p:sp>
+      <p:sp>
+        <p:nvSpPr>
+          <p:cNvPr id="7" name="TextBox 6">
+            <a:extLst>
+              <a:ext uri="{FF2B5EF4-FFF2-40B4-BE49-F238E27FC236}">
+                <a16:creationId xmlns:a16="http://schemas.microsoft.com/office/drawing/2014/main" id="{886978F2-B60C-4EBD-8DB3-833C0F053698}"/>
+              </a:ext>
+            </a:extLst>
+          </p:cNvPr>
+          <p:cNvSpPr txBox="1"/>
+          <p:nvPr/>
+        </p:nvSpPr>
+        <p:spPr>
+          <a:xfrm>
+            <a:off x="4687678" y="520700"/>
+            <a:ext cx="838691" cy="369332"/>
+          </a:xfrm>
+          <a:prstGeom prst="rect">
+            <a:avLst/>
+          </a:prstGeom>
+          <a:noFill/>
+        </p:spPr>
+        <p:txBody>
+          <a:bodyPr wrap="none" rtlCol="0">
+            <a:spAutoFit/>
+          </a:bodyPr>
+          <a:lstStyle/>
+          <a:p>
+            <a:r>
+              <a:rPr lang="en-SG" b="1" dirty="0">
+                <a:solidFill>
+                  <a:srgbClr val="FF0000"/>
+                </a:solidFill>
+                <a:latin typeface="Times New Roman" panose="02020603050405020304" pitchFamily="18" charset="0"/>
+                <a:cs typeface="Times New Roman" panose="02020603050405020304" pitchFamily="18" charset="0"/>
+              </a:rPr>
+              <a:t>Server</a:t>
+            </a:r>
+          </a:p>
+        </p:txBody>
+      </p:sp>
+      <mc:AlternateContent xmlns:mc="http://schemas.openxmlformats.org/markup-compatibility/2006" xmlns:a14="http://schemas.microsoft.com/office/drawing/2010/main">
+        <mc:Choice Requires="a14">
+          <p:sp>
+            <p:nvSpPr>
+              <p:cNvPr id="8" name="TextBox 7">
+                <a:extLst>
+                  <a:ext uri="{FF2B5EF4-FFF2-40B4-BE49-F238E27FC236}">
+                    <a16:creationId xmlns:a16="http://schemas.microsoft.com/office/drawing/2014/main" id="{26D4348F-66EB-4872-AC81-7E7CAE08BAB8}"/>
+                  </a:ext>
+                </a:extLst>
+              </p:cNvPr>
+              <p:cNvSpPr txBox="1"/>
+              <p:nvPr/>
+            </p:nvSpPr>
+            <p:spPr>
+              <a:xfrm>
+                <a:off x="4687678" y="832882"/>
+                <a:ext cx="2035557" cy="738664"/>
+              </a:xfrm>
+              <a:prstGeom prst="rect">
+                <a:avLst/>
+              </a:prstGeom>
+              <a:noFill/>
+            </p:spPr>
+            <p:txBody>
+              <a:bodyPr wrap="none" rtlCol="0">
+                <a:spAutoFit/>
+              </a:bodyPr>
+              <a:lstStyle/>
+              <a:p>
+                <a:r>
+                  <a:rPr lang="en-SG" sz="1400" dirty="0">
+                    <a:latin typeface="Times New Roman" panose="02020603050405020304" pitchFamily="18" charset="0"/>
+                    <a:cs typeface="Times New Roman" panose="02020603050405020304" pitchFamily="18" charset="0"/>
+                  </a:rPr>
+                  <a:t>Public Key: </a:t>
+                </a:r>
+                <a14:m>
+                  <m:oMath xmlns:m="http://schemas.openxmlformats.org/officeDocument/2006/math">
+                    <m:sSubSup>
+                      <m:sSubSupPr>
+                        <m:ctrlPr>
+                          <a:rPr lang="en-SG" sz="1400" b="1" i="1" smtClean="0">
+                            <a:latin typeface="Cambria Math" panose="02040503050406030204" pitchFamily="18" charset="0"/>
+                            <a:cs typeface="Times New Roman" panose="02020603050405020304" pitchFamily="18" charset="0"/>
+                          </a:rPr>
+                        </m:ctrlPr>
+                      </m:sSubSupPr>
+                      <m:e>
+                        <m:r>
+                          <a:rPr lang="en-SG" sz="1400" b="1" i="1" smtClean="0">
+                            <a:latin typeface="Cambria Math" panose="02040503050406030204" pitchFamily="18" charset="0"/>
+                            <a:cs typeface="Times New Roman" panose="02020603050405020304" pitchFamily="18" charset="0"/>
+                          </a:rPr>
+                          <m:t>𝑲</m:t>
+                        </m:r>
+                      </m:e>
+                      <m:sub>
+                        <m:r>
+                          <a:rPr lang="en-SG" sz="1400" b="1" i="1" smtClean="0">
+                            <a:latin typeface="Cambria Math" panose="02040503050406030204" pitchFamily="18" charset="0"/>
+                            <a:cs typeface="Times New Roman" panose="02020603050405020304" pitchFamily="18" charset="0"/>
+                          </a:rPr>
+                          <m:t>𝒔</m:t>
+                        </m:r>
+                      </m:sub>
+                      <m:sup>
+                        <m:r>
+                          <a:rPr lang="en-SG" sz="1400" b="1" i="1" smtClean="0">
+                            <a:latin typeface="Cambria Math" panose="02040503050406030204" pitchFamily="18" charset="0"/>
+                            <a:cs typeface="Times New Roman" panose="02020603050405020304" pitchFamily="18" charset="0"/>
+                          </a:rPr>
+                          <m:t>+</m:t>
+                        </m:r>
+                      </m:sup>
+                    </m:sSubSup>
+                  </m:oMath>
+                </a14:m>
+                <a:r>
+                  <a:rPr lang="en-SG" sz="1400" dirty="0">
+                    <a:latin typeface="Times New Roman" panose="02020603050405020304" pitchFamily="18" charset="0"/>
+                    <a:cs typeface="Times New Roman" panose="02020603050405020304" pitchFamily="18" charset="0"/>
+                  </a:rPr>
+                  <a:t> </a:t>
+                </a:r>
+              </a:p>
+              <a:p>
+                <a:r>
+                  <a:rPr lang="en-SG" sz="1400" dirty="0">
+                    <a:latin typeface="Times New Roman" panose="02020603050405020304" pitchFamily="18" charset="0"/>
+                    <a:cs typeface="Times New Roman" panose="02020603050405020304" pitchFamily="18" charset="0"/>
+                  </a:rPr>
+                  <a:t>Private Key: </a:t>
+                </a:r>
+                <a14:m>
+                  <m:oMath xmlns:m="http://schemas.openxmlformats.org/officeDocument/2006/math">
+                    <m:sSubSup>
+                      <m:sSubSupPr>
+                        <m:ctrlPr>
+                          <a:rPr lang="en-SG" sz="1400" b="1" i="1" smtClean="0">
+                            <a:latin typeface="Cambria Math" panose="02040503050406030204" pitchFamily="18" charset="0"/>
+                            <a:cs typeface="Times New Roman" panose="02020603050405020304" pitchFamily="18" charset="0"/>
+                          </a:rPr>
+                        </m:ctrlPr>
+                      </m:sSubSupPr>
+                      <m:e>
+                        <m:r>
+                          <a:rPr lang="en-SG" sz="1400" b="1" i="1" smtClean="0">
+                            <a:latin typeface="Cambria Math" panose="02040503050406030204" pitchFamily="18" charset="0"/>
+                            <a:cs typeface="Times New Roman" panose="02020603050405020304" pitchFamily="18" charset="0"/>
+                          </a:rPr>
+                          <m:t>𝑲</m:t>
+                        </m:r>
+                      </m:e>
+                      <m:sub>
+                        <m:r>
+                          <a:rPr lang="en-SG" sz="1400" b="1" i="1" smtClean="0">
+                            <a:latin typeface="Cambria Math" panose="02040503050406030204" pitchFamily="18" charset="0"/>
+                            <a:cs typeface="Times New Roman" panose="02020603050405020304" pitchFamily="18" charset="0"/>
+                          </a:rPr>
+                          <m:t>𝑺</m:t>
+                        </m:r>
+                      </m:sub>
+                      <m:sup>
+                        <m:r>
+                          <a:rPr lang="en-SG" sz="1400" b="1" i="1" smtClean="0">
+                            <a:latin typeface="Cambria Math" panose="02040503050406030204" pitchFamily="18" charset="0"/>
+                            <a:cs typeface="Times New Roman" panose="02020603050405020304" pitchFamily="18" charset="0"/>
+                          </a:rPr>
+                          <m:t>−</m:t>
+                        </m:r>
+                      </m:sup>
+                    </m:sSubSup>
+                  </m:oMath>
+                </a14:m>
+                <a:endParaRPr lang="en-SG" sz="1400" b="1" dirty="0">
+                  <a:latin typeface="Times New Roman" panose="02020603050405020304" pitchFamily="18" charset="0"/>
+                  <a:cs typeface="Times New Roman" panose="02020603050405020304" pitchFamily="18" charset="0"/>
+                </a:endParaRPr>
+              </a:p>
+              <a:p>
+                <a:r>
+                  <a:rPr lang="en-SG" sz="1400" dirty="0">
+                    <a:latin typeface="Times New Roman" panose="02020603050405020304" pitchFamily="18" charset="0"/>
+                    <a:cs typeface="Times New Roman" panose="02020603050405020304" pitchFamily="18" charset="0"/>
+                  </a:rPr>
+                  <a:t>Certificate (contains </a:t>
+                </a:r>
+                <a14:m>
+                  <m:oMath xmlns:m="http://schemas.openxmlformats.org/officeDocument/2006/math">
+                    <m:sSubSup>
+                      <m:sSubSupPr>
+                        <m:ctrlPr>
+                          <a:rPr lang="en-SG" sz="1400" b="1" i="1">
+                            <a:latin typeface="Cambria Math" panose="02040503050406030204" pitchFamily="18" charset="0"/>
+                            <a:cs typeface="Times New Roman" panose="02020603050405020304" pitchFamily="18" charset="0"/>
+                          </a:rPr>
+                        </m:ctrlPr>
+                      </m:sSubSupPr>
+                      <m:e>
+                        <m:r>
+                          <a:rPr lang="en-SG" sz="1400" b="1" i="1">
+                            <a:latin typeface="Cambria Math" panose="02040503050406030204" pitchFamily="18" charset="0"/>
+                            <a:cs typeface="Times New Roman" panose="02020603050405020304" pitchFamily="18" charset="0"/>
+                          </a:rPr>
+                          <m:t>𝑲</m:t>
+                        </m:r>
+                      </m:e>
+                      <m:sub>
+                        <m:r>
+                          <a:rPr lang="en-SG" sz="1400" b="1" i="1">
+                            <a:latin typeface="Cambria Math" panose="02040503050406030204" pitchFamily="18" charset="0"/>
+                            <a:cs typeface="Times New Roman" panose="02020603050405020304" pitchFamily="18" charset="0"/>
+                          </a:rPr>
+                          <m:t>𝒔</m:t>
+                        </m:r>
+                      </m:sub>
+                      <m:sup>
+                        <m:r>
+                          <a:rPr lang="en-SG" sz="1400" b="1" i="1">
+                            <a:latin typeface="Cambria Math" panose="02040503050406030204" pitchFamily="18" charset="0"/>
+                            <a:cs typeface="Times New Roman" panose="02020603050405020304" pitchFamily="18" charset="0"/>
+                          </a:rPr>
+                          <m:t>+</m:t>
+                        </m:r>
+                      </m:sup>
+                    </m:sSubSup>
+                  </m:oMath>
+                </a14:m>
+                <a:r>
+                  <a:rPr lang="en-SG" sz="1400" dirty="0">
+                    <a:latin typeface="Times New Roman" panose="02020603050405020304" pitchFamily="18" charset="0"/>
+                    <a:cs typeface="Times New Roman" panose="02020603050405020304" pitchFamily="18" charset="0"/>
+                  </a:rPr>
+                  <a:t> )</a:t>
+                </a:r>
+              </a:p>
+            </p:txBody>
+          </p:sp>
+        </mc:Choice>
+        <mc:Fallback xmlns="">
+          <p:sp>
+            <p:nvSpPr>
+              <p:cNvPr id="8" name="TextBox 7">
+                <a:extLst>
+                  <a:ext uri="{FF2B5EF4-FFF2-40B4-BE49-F238E27FC236}">
+                    <a16:creationId xmlns:a16="http://schemas.microsoft.com/office/drawing/2014/main" id="{26D4348F-66EB-4872-AC81-7E7CAE08BAB8}"/>
+                  </a:ext>
+                </a:extLst>
+              </p:cNvPr>
+              <p:cNvSpPr txBox="1">
+                <a:spLocks noRot="1" noChangeAspect="1" noMove="1" noResize="1" noEditPoints="1" noAdjustHandles="1" noChangeArrowheads="1" noChangeShapeType="1" noTextEdit="1"/>
+              </p:cNvSpPr>
+              <p:nvPr/>
+            </p:nvSpPr>
+            <p:spPr>
+              <a:xfrm>
+                <a:off x="4687678" y="832882"/>
+                <a:ext cx="2035557" cy="738664"/>
+              </a:xfrm>
+              <a:prstGeom prst="rect">
+                <a:avLst/>
+              </a:prstGeom>
+              <a:blipFill>
+                <a:blip r:embed="rId4"/>
+                <a:stretch>
+                  <a:fillRect l="-898" t="-1653" b="-7438"/>
+                </a:stretch>
+              </a:blipFill>
+            </p:spPr>
+            <p:txBody>
+              <a:bodyPr/>
+              <a:lstStyle/>
+              <a:p>
+                <a:r>
+                  <a:rPr lang="en-SG">
+                    <a:noFill/>
+                  </a:rPr>
+                  <a:t> </a:t>
+                </a:r>
+              </a:p>
+            </p:txBody>
+          </p:sp>
+        </mc:Fallback>
+      </mc:AlternateContent>
+      <p:cxnSp>
+        <p:nvCxnSpPr>
+          <p:cNvPr id="10" name="Straight Connector 9">
+            <a:extLst>
+              <a:ext uri="{FF2B5EF4-FFF2-40B4-BE49-F238E27FC236}">
+                <a16:creationId xmlns:a16="http://schemas.microsoft.com/office/drawing/2014/main" id="{DD840C23-3563-4A74-82B7-7EDD2895D5B9}"/>
+              </a:ext>
+            </a:extLst>
+          </p:cNvPr>
+          <p:cNvCxnSpPr>
+            <a:cxnSpLocks/>
+            <a:stCxn id="6" idx="2"/>
+          </p:cNvCxnSpPr>
+          <p:nvPr/>
+        </p:nvCxnSpPr>
+        <p:spPr>
+          <a:xfrm>
+            <a:off x="1491507" y="1259364"/>
+            <a:ext cx="0" cy="8369545"/>
+          </a:xfrm>
+          <a:prstGeom prst="line">
+            <a:avLst/>
+          </a:prstGeom>
+          <a:ln w="28575">
+            <a:solidFill>
+              <a:schemeClr val="tx1">
+                <a:lumMod val="95000"/>
+                <a:lumOff val="5000"/>
+              </a:schemeClr>
+            </a:solidFill>
+          </a:ln>
+        </p:spPr>
+        <p:style>
+          <a:lnRef idx="1">
+            <a:schemeClr val="dk1"/>
+          </a:lnRef>
+          <a:fillRef idx="0">
+            <a:schemeClr val="dk1"/>
+          </a:fillRef>
+          <a:effectRef idx="0">
+            <a:schemeClr val="dk1"/>
+          </a:effectRef>
+          <a:fontRef idx="minor">
+            <a:schemeClr val="tx1"/>
+          </a:fontRef>
+        </p:style>
+      </p:cxnSp>
+      <p:cxnSp>
+        <p:nvCxnSpPr>
+          <p:cNvPr id="11" name="Straight Connector 10">
+            <a:extLst>
+              <a:ext uri="{FF2B5EF4-FFF2-40B4-BE49-F238E27FC236}">
+                <a16:creationId xmlns:a16="http://schemas.microsoft.com/office/drawing/2014/main" id="{B5CFC0CE-D5FF-4DBF-974E-96F787353D9A}"/>
+              </a:ext>
+            </a:extLst>
+          </p:cNvPr>
+          <p:cNvCxnSpPr>
+            <a:cxnSpLocks/>
+          </p:cNvCxnSpPr>
+          <p:nvPr/>
+        </p:nvCxnSpPr>
+        <p:spPr>
+          <a:xfrm>
+            <a:off x="5384799" y="1571546"/>
+            <a:ext cx="0" cy="8057363"/>
+          </a:xfrm>
+          <a:prstGeom prst="line">
+            <a:avLst/>
+          </a:prstGeom>
+          <a:ln w="28575">
+            <a:solidFill>
+              <a:schemeClr val="tx1">
+                <a:lumMod val="95000"/>
+                <a:lumOff val="5000"/>
+              </a:schemeClr>
+            </a:solidFill>
+          </a:ln>
+        </p:spPr>
+        <p:style>
+          <a:lnRef idx="1">
+            <a:schemeClr val="dk1"/>
+          </a:lnRef>
+          <a:fillRef idx="0">
+            <a:schemeClr val="dk1"/>
+          </a:fillRef>
+          <a:effectRef idx="0">
+            <a:schemeClr val="dk1"/>
+          </a:effectRef>
+          <a:fontRef idx="minor">
+            <a:schemeClr val="tx1"/>
+          </a:fontRef>
+        </p:style>
+      </p:cxnSp>
+      <p:cxnSp>
+        <p:nvCxnSpPr>
+          <p:cNvPr id="22" name="Straight Arrow Connector 21">
+            <a:extLst>
+              <a:ext uri="{FF2B5EF4-FFF2-40B4-BE49-F238E27FC236}">
+                <a16:creationId xmlns:a16="http://schemas.microsoft.com/office/drawing/2014/main" id="{390345B3-25C4-4F27-A304-4808F7FB5E38}"/>
+              </a:ext>
+            </a:extLst>
+          </p:cNvPr>
+          <p:cNvCxnSpPr/>
+          <p:nvPr/>
+        </p:nvCxnSpPr>
+        <p:spPr>
+          <a:xfrm>
+            <a:off x="1500660" y="1502480"/>
+            <a:ext cx="3893293" cy="381000"/>
+          </a:xfrm>
+          <a:prstGeom prst="straightConnector1">
+            <a:avLst/>
+          </a:prstGeom>
+          <a:ln w="12700">
+            <a:headEnd type="none" w="med" len="med"/>
+            <a:tailEnd type="arrow" w="med" len="med"/>
+          </a:ln>
+        </p:spPr>
+        <p:style>
+          <a:lnRef idx="1">
+            <a:schemeClr val="dk1"/>
+          </a:lnRef>
+          <a:fillRef idx="0">
+            <a:schemeClr val="dk1"/>
+          </a:fillRef>
+          <a:effectRef idx="0">
+            <a:schemeClr val="dk1"/>
+          </a:effectRef>
+          <a:fontRef idx="minor">
+            <a:schemeClr val="tx1"/>
+          </a:fontRef>
+        </p:style>
+      </p:cxnSp>
+      <p:sp>
+        <p:nvSpPr>
+          <p:cNvPr id="23" name="TextBox 22">
+            <a:extLst>
+              <a:ext uri="{FF2B5EF4-FFF2-40B4-BE49-F238E27FC236}">
+                <a16:creationId xmlns:a16="http://schemas.microsoft.com/office/drawing/2014/main" id="{661F4A5F-B27D-4A03-8CD5-E432B10DB72B}"/>
+              </a:ext>
+            </a:extLst>
+          </p:cNvPr>
+          <p:cNvSpPr txBox="1"/>
+          <p:nvPr/>
+        </p:nvSpPr>
+        <p:spPr>
+          <a:xfrm rot="324564">
+            <a:off x="2600322" y="1402556"/>
+            <a:ext cx="1842171" cy="307777"/>
+          </a:xfrm>
+          <a:prstGeom prst="rect">
+            <a:avLst/>
+          </a:prstGeom>
+          <a:noFill/>
+        </p:spPr>
+        <p:txBody>
+          <a:bodyPr wrap="none" rtlCol="0">
+            <a:spAutoFit/>
+          </a:bodyPr>
+          <a:lstStyle/>
+          <a:p>
+            <a:r>
+              <a:rPr lang="en-SG" sz="1400" dirty="0">
+                <a:latin typeface="Times New Roman" panose="02020603050405020304" pitchFamily="18" charset="0"/>
+                <a:cs typeface="Times New Roman" panose="02020603050405020304" pitchFamily="18" charset="0"/>
+              </a:rPr>
+              <a:t>Client generated nonce</a:t>
+            </a:r>
+          </a:p>
+        </p:txBody>
+      </p:sp>
+      <p:cxnSp>
+        <p:nvCxnSpPr>
+          <p:cNvPr id="24" name="Straight Arrow Connector 23">
+            <a:extLst>
+              <a:ext uri="{FF2B5EF4-FFF2-40B4-BE49-F238E27FC236}">
+                <a16:creationId xmlns:a16="http://schemas.microsoft.com/office/drawing/2014/main" id="{8705B0E8-02F0-4116-AF43-CCD293F40363}"/>
+              </a:ext>
+            </a:extLst>
+          </p:cNvPr>
+          <p:cNvCxnSpPr>
+            <a:cxnSpLocks/>
+          </p:cNvCxnSpPr>
+          <p:nvPr/>
+        </p:nvCxnSpPr>
+        <p:spPr>
+          <a:xfrm flipH="1">
+            <a:off x="1490134" y="2128175"/>
+            <a:ext cx="3884140" cy="369916"/>
+          </a:xfrm>
+          <a:prstGeom prst="straightConnector1">
+            <a:avLst/>
+          </a:prstGeom>
+          <a:ln w="12700">
+            <a:headEnd type="none" w="med" len="med"/>
+            <a:tailEnd type="arrow" w="med" len="med"/>
+          </a:ln>
+        </p:spPr>
+        <p:style>
+          <a:lnRef idx="1">
+            <a:schemeClr val="dk1"/>
+          </a:lnRef>
+          <a:fillRef idx="0">
+            <a:schemeClr val="dk1"/>
+          </a:fillRef>
+          <a:effectRef idx="0">
+            <a:schemeClr val="dk1"/>
+          </a:effectRef>
+          <a:fontRef idx="minor">
+            <a:schemeClr val="tx1"/>
+          </a:fontRef>
+        </p:style>
+      </p:cxnSp>
+      <mc:AlternateContent xmlns:mc="http://schemas.openxmlformats.org/markup-compatibility/2006" xmlns:a14="http://schemas.microsoft.com/office/drawing/2010/main">
+        <mc:Choice Requires="a14">
+          <p:sp>
+            <p:nvSpPr>
+              <p:cNvPr id="25" name="TextBox 24">
+                <a:extLst>
+                  <a:ext uri="{FF2B5EF4-FFF2-40B4-BE49-F238E27FC236}">
+                    <a16:creationId xmlns:a16="http://schemas.microsoft.com/office/drawing/2014/main" id="{A444AABD-40A8-46EB-8EF1-96353FA0166D}"/>
+                  </a:ext>
+                </a:extLst>
+              </p:cNvPr>
+              <p:cNvSpPr txBox="1"/>
+              <p:nvPr/>
+            </p:nvSpPr>
+            <p:spPr>
+              <a:xfrm rot="21274454">
+                <a:off x="2742732" y="1985172"/>
+                <a:ext cx="1484124" cy="307777"/>
+              </a:xfrm>
+              <a:prstGeom prst="rect">
+                <a:avLst/>
+              </a:prstGeom>
+              <a:noFill/>
+            </p:spPr>
+            <p:txBody>
+              <a:bodyPr wrap="none" rtlCol="0">
+                <a:spAutoFit/>
+              </a:bodyPr>
+              <a:lstStyle/>
+              <a:p>
+                <a:r>
+                  <a:rPr lang="en-SG" sz="1400" dirty="0">
+                    <a:latin typeface="Times New Roman" panose="02020603050405020304" pitchFamily="18" charset="0"/>
+                    <a:cs typeface="Times New Roman" panose="02020603050405020304" pitchFamily="18" charset="0"/>
+                  </a:rPr>
+                  <a:t>R =</a:t>
+                </a:r>
+                <a:r>
+                  <a:rPr lang="en-SG" sz="1400" b="1" dirty="0">
+                    <a:latin typeface="Times New Roman" panose="02020603050405020304" pitchFamily="18" charset="0"/>
+                    <a:cs typeface="Times New Roman" panose="02020603050405020304" pitchFamily="18" charset="0"/>
+                  </a:rPr>
+                  <a:t> </a:t>
+                </a:r>
+                <a14:m>
+                  <m:oMath xmlns:m="http://schemas.openxmlformats.org/officeDocument/2006/math">
+                    <m:sSubSup>
+                      <m:sSubSupPr>
+                        <m:ctrlPr>
+                          <a:rPr lang="en-SG" sz="1400" b="1" i="1" smtClean="0">
+                            <a:latin typeface="Cambria Math" panose="02040503050406030204" pitchFamily="18" charset="0"/>
+                            <a:cs typeface="Times New Roman" panose="02020603050405020304" pitchFamily="18" charset="0"/>
+                          </a:rPr>
+                        </m:ctrlPr>
+                      </m:sSubSupPr>
+                      <m:e>
+                        <m:r>
+                          <a:rPr lang="en-SG" sz="1400" b="1" i="1">
+                            <a:latin typeface="Cambria Math" panose="02040503050406030204" pitchFamily="18" charset="0"/>
+                            <a:cs typeface="Times New Roman" panose="02020603050405020304" pitchFamily="18" charset="0"/>
+                          </a:rPr>
+                          <m:t>𝑲</m:t>
+                        </m:r>
+                      </m:e>
+                      <m:sub>
+                        <m:r>
+                          <a:rPr lang="en-SG" sz="1400" b="1" i="1">
+                            <a:latin typeface="Cambria Math" panose="02040503050406030204" pitchFamily="18" charset="0"/>
+                            <a:cs typeface="Times New Roman" panose="02020603050405020304" pitchFamily="18" charset="0"/>
+                          </a:rPr>
+                          <m:t>𝑺</m:t>
+                        </m:r>
+                      </m:sub>
+                      <m:sup>
+                        <m:r>
+                          <a:rPr lang="en-SG" sz="1400" b="1" i="1">
+                            <a:latin typeface="Cambria Math" panose="02040503050406030204" pitchFamily="18" charset="0"/>
+                            <a:cs typeface="Times New Roman" panose="02020603050405020304" pitchFamily="18" charset="0"/>
+                          </a:rPr>
+                          <m:t>−</m:t>
+                        </m:r>
+                      </m:sup>
+                    </m:sSubSup>
+                  </m:oMath>
+                </a14:m>
+                <a:r>
+                  <a:rPr lang="en-SG" sz="1400" dirty="0">
+                    <a:latin typeface="Times New Roman" panose="02020603050405020304" pitchFamily="18" charset="0"/>
+                    <a:cs typeface="Times New Roman" panose="02020603050405020304" pitchFamily="18" charset="0"/>
+                  </a:rPr>
+                  <a:t>{ nonce } </a:t>
+                </a:r>
+              </a:p>
+            </p:txBody>
+          </p:sp>
+        </mc:Choice>
+        <mc:Fallback xmlns="">
+          <p:sp>
+            <p:nvSpPr>
+              <p:cNvPr id="25" name="TextBox 24">
+                <a:extLst>
+                  <a:ext uri="{FF2B5EF4-FFF2-40B4-BE49-F238E27FC236}">
+                    <a16:creationId xmlns:a16="http://schemas.microsoft.com/office/drawing/2014/main" id="{A444AABD-40A8-46EB-8EF1-96353FA0166D}"/>
+                  </a:ext>
+                </a:extLst>
+              </p:cNvPr>
+              <p:cNvSpPr txBox="1">
+                <a:spLocks noRot="1" noChangeAspect="1" noMove="1" noResize="1" noEditPoints="1" noAdjustHandles="1" noChangeArrowheads="1" noChangeShapeType="1" noTextEdit="1"/>
+              </p:cNvSpPr>
+              <p:nvPr/>
+            </p:nvSpPr>
+            <p:spPr>
+              <a:xfrm rot="21274454">
+                <a:off x="2742732" y="1985172"/>
+                <a:ext cx="1484124" cy="307777"/>
+              </a:xfrm>
+              <a:prstGeom prst="rect">
+                <a:avLst/>
+              </a:prstGeom>
+              <a:blipFill>
+                <a:blip r:embed="rId5"/>
+                <a:stretch>
+                  <a:fillRect l="-1210" t="-1351" b="-13514"/>
+                </a:stretch>
+              </a:blipFill>
+            </p:spPr>
+            <p:txBody>
+              <a:bodyPr/>
+              <a:lstStyle/>
+              <a:p>
+                <a:r>
+                  <a:rPr lang="en-SG">
+                    <a:noFill/>
+                  </a:rPr>
+                  <a:t> </a:t>
+                </a:r>
+              </a:p>
+            </p:txBody>
+          </p:sp>
+        </mc:Fallback>
+      </mc:AlternateContent>
+      <p:cxnSp>
+        <p:nvCxnSpPr>
+          <p:cNvPr id="26" name="Straight Arrow Connector 25">
+            <a:extLst>
+              <a:ext uri="{FF2B5EF4-FFF2-40B4-BE49-F238E27FC236}">
+                <a16:creationId xmlns:a16="http://schemas.microsoft.com/office/drawing/2014/main" id="{EDD3A151-2718-4CFB-A0CF-65209AC4C0C8}"/>
+              </a:ext>
+            </a:extLst>
+          </p:cNvPr>
+          <p:cNvCxnSpPr/>
+          <p:nvPr/>
+        </p:nvCxnSpPr>
+        <p:spPr>
+          <a:xfrm>
+            <a:off x="1500660" y="2770786"/>
+            <a:ext cx="3893293" cy="381000"/>
+          </a:xfrm>
+          <a:prstGeom prst="straightConnector1">
+            <a:avLst/>
+          </a:prstGeom>
+          <a:ln w="12700">
+            <a:headEnd type="none" w="med" len="med"/>
+            <a:tailEnd type="arrow" w="med" len="med"/>
+          </a:ln>
+        </p:spPr>
+        <p:style>
+          <a:lnRef idx="1">
+            <a:schemeClr val="dk1"/>
+          </a:lnRef>
+          <a:fillRef idx="0">
+            <a:schemeClr val="dk1"/>
+          </a:fillRef>
+          <a:effectRef idx="0">
+            <a:schemeClr val="dk1"/>
+          </a:effectRef>
+          <a:fontRef idx="minor">
+            <a:schemeClr val="tx1"/>
+          </a:fontRef>
+        </p:style>
+      </p:cxnSp>
+      <p:sp>
+        <p:nvSpPr>
+          <p:cNvPr id="27" name="TextBox 26">
+            <a:extLst>
+              <a:ext uri="{FF2B5EF4-FFF2-40B4-BE49-F238E27FC236}">
+                <a16:creationId xmlns:a16="http://schemas.microsoft.com/office/drawing/2014/main" id="{7DF98170-A59B-4D5C-A41F-EFCA9C4804FF}"/>
+              </a:ext>
+            </a:extLst>
+          </p:cNvPr>
+          <p:cNvSpPr txBox="1"/>
+          <p:nvPr/>
+        </p:nvSpPr>
+        <p:spPr>
+          <a:xfrm rot="324564">
+            <a:off x="1959924" y="2670862"/>
+            <a:ext cx="3122971" cy="307777"/>
+          </a:xfrm>
+          <a:prstGeom prst="rect">
+            <a:avLst/>
+          </a:prstGeom>
+          <a:noFill/>
+        </p:spPr>
+        <p:txBody>
+          <a:bodyPr wrap="none" rtlCol="0">
+            <a:spAutoFit/>
+          </a:bodyPr>
+          <a:lstStyle/>
+          <a:p>
+            <a:r>
+              <a:rPr lang="en-SG" sz="1400" dirty="0">
+                <a:latin typeface="Times New Roman" panose="02020603050405020304" pitchFamily="18" charset="0"/>
+                <a:cs typeface="Times New Roman" panose="02020603050405020304" pitchFamily="18" charset="0"/>
+              </a:rPr>
+              <a:t>“Give me your certificate signed by CA”</a:t>
+            </a:r>
+          </a:p>
+        </p:txBody>
+      </p:sp>
+      <p:cxnSp>
+        <p:nvCxnSpPr>
+          <p:cNvPr id="28" name="Straight Arrow Connector 27">
+            <a:extLst>
+              <a:ext uri="{FF2B5EF4-FFF2-40B4-BE49-F238E27FC236}">
+                <a16:creationId xmlns:a16="http://schemas.microsoft.com/office/drawing/2014/main" id="{98D1AB3D-CDB1-47AF-8B05-953ABB4DFCF7}"/>
+              </a:ext>
+            </a:extLst>
+          </p:cNvPr>
+          <p:cNvCxnSpPr>
+            <a:cxnSpLocks/>
+          </p:cNvCxnSpPr>
+          <p:nvPr/>
+        </p:nvCxnSpPr>
+        <p:spPr>
+          <a:xfrm flipH="1">
+            <a:off x="1509813" y="3344560"/>
+            <a:ext cx="3884140" cy="369916"/>
+          </a:xfrm>
+          <a:prstGeom prst="straightConnector1">
+            <a:avLst/>
+          </a:prstGeom>
+          <a:ln w="12700">
+            <a:headEnd type="none" w="med" len="med"/>
+            <a:tailEnd type="arrow" w="med" len="med"/>
+          </a:ln>
+        </p:spPr>
+        <p:style>
+          <a:lnRef idx="1">
+            <a:schemeClr val="dk1"/>
+          </a:lnRef>
+          <a:fillRef idx="0">
+            <a:schemeClr val="dk1"/>
+          </a:fillRef>
+          <a:effectRef idx="0">
+            <a:schemeClr val="dk1"/>
+          </a:effectRef>
+          <a:fontRef idx="minor">
+            <a:schemeClr val="tx1"/>
+          </a:fontRef>
+        </p:style>
+      </p:cxnSp>
+      <p:sp>
+        <p:nvSpPr>
+          <p:cNvPr id="29" name="TextBox 28">
+            <a:extLst>
+              <a:ext uri="{FF2B5EF4-FFF2-40B4-BE49-F238E27FC236}">
+                <a16:creationId xmlns:a16="http://schemas.microsoft.com/office/drawing/2014/main" id="{EE61C840-BA79-4046-A51D-834BFFBAF75C}"/>
+              </a:ext>
+            </a:extLst>
+          </p:cNvPr>
+          <p:cNvSpPr txBox="1"/>
+          <p:nvPr/>
+        </p:nvSpPr>
+        <p:spPr>
+          <a:xfrm rot="21274454">
+            <a:off x="2492921" y="3201557"/>
+            <a:ext cx="2056973" cy="307777"/>
+          </a:xfrm>
+          <a:prstGeom prst="rect">
+            <a:avLst/>
+          </a:prstGeom>
+          <a:noFill/>
+        </p:spPr>
+        <p:txBody>
+          <a:bodyPr wrap="none" rtlCol="0">
+            <a:spAutoFit/>
+          </a:bodyPr>
+          <a:lstStyle/>
+          <a:p>
+            <a:r>
+              <a:rPr lang="en-SG" sz="1400" dirty="0">
+                <a:latin typeface="Times New Roman" panose="02020603050405020304" pitchFamily="18" charset="0"/>
+                <a:cs typeface="Times New Roman" panose="02020603050405020304" pitchFamily="18" charset="0"/>
+              </a:rPr>
+              <a:t>Server’s signed certificate</a:t>
+            </a:r>
+          </a:p>
+        </p:txBody>
+      </p:sp>
+      <mc:AlternateContent xmlns:mc="http://schemas.openxmlformats.org/markup-compatibility/2006" xmlns:a14="http://schemas.microsoft.com/office/drawing/2010/main">
+        <mc:Choice Requires="a14">
+          <p:sp>
+            <p:nvSpPr>
+              <p:cNvPr id="30" name="TextBox 29">
+                <a:extLst>
+                  <a:ext uri="{FF2B5EF4-FFF2-40B4-BE49-F238E27FC236}">
+                    <a16:creationId xmlns:a16="http://schemas.microsoft.com/office/drawing/2014/main" id="{ADF5B2B4-7667-4988-A95C-6BD4B56C0FB1}"/>
+                  </a:ext>
+                </a:extLst>
+              </p:cNvPr>
+              <p:cNvSpPr txBox="1"/>
+              <p:nvPr/>
+            </p:nvSpPr>
+            <p:spPr>
+              <a:xfrm>
+                <a:off x="-2391259" y="3299836"/>
+                <a:ext cx="3716257" cy="1388650"/>
+              </a:xfrm>
+              <a:prstGeom prst="rect">
+                <a:avLst/>
+              </a:prstGeom>
+              <a:noFill/>
+              <a:ln>
+                <a:solidFill>
+                  <a:schemeClr val="tx1"/>
+                </a:solidFill>
+              </a:ln>
+            </p:spPr>
+            <p:txBody>
+              <a:bodyPr wrap="square" rtlCol="0">
+                <a:spAutoFit/>
+              </a:bodyPr>
+              <a:lstStyle/>
+              <a:p>
+                <a:r>
+                  <a:rPr lang="en-SG" sz="1400" dirty="0">
+                    <a:latin typeface="Times New Roman" panose="02020603050405020304" pitchFamily="18" charset="0"/>
+                    <a:cs typeface="Times New Roman" panose="02020603050405020304" pitchFamily="18" charset="0"/>
+                  </a:rPr>
+                  <a:t>Checking:</a:t>
+                </a:r>
+              </a:p>
+              <a:p>
+                <a:r>
+                  <a:rPr lang="en-SG" sz="1400" dirty="0">
+                    <a:latin typeface="Times New Roman" panose="02020603050405020304" pitchFamily="18" charset="0"/>
+                    <a:cs typeface="Times New Roman" panose="02020603050405020304" pitchFamily="18" charset="0"/>
+                  </a:rPr>
+                  <a:t>- Extract CA’s public key from CACSE.crt</a:t>
+                </a:r>
+              </a:p>
+              <a:p>
+                <a:r>
+                  <a:rPr lang="en-SG" sz="1400" dirty="0">
+                    <a:latin typeface="Times New Roman" panose="02020603050405020304" pitchFamily="18" charset="0"/>
+                    <a:cs typeface="Times New Roman" panose="02020603050405020304" pitchFamily="18" charset="0"/>
+                  </a:rPr>
+                  <a:t>- Verify Server’s cert with CA’s public key (</a:t>
+                </a:r>
+                <a14:m>
+                  <m:oMath xmlns:m="http://schemas.openxmlformats.org/officeDocument/2006/math">
+                    <m:sSubSup>
+                      <m:sSubSupPr>
+                        <m:ctrlPr>
+                          <a:rPr lang="en-SG" sz="1400" b="1" i="1">
+                            <a:latin typeface="Cambria Math" panose="02040503050406030204" pitchFamily="18" charset="0"/>
+                            <a:cs typeface="Times New Roman" panose="02020603050405020304" pitchFamily="18" charset="0"/>
+                          </a:rPr>
+                        </m:ctrlPr>
+                      </m:sSubSupPr>
+                      <m:e>
+                        <m:r>
+                          <a:rPr lang="en-SG" sz="1400" b="1" i="1">
+                            <a:latin typeface="Cambria Math" panose="02040503050406030204" pitchFamily="18" charset="0"/>
+                            <a:cs typeface="Times New Roman" panose="02020603050405020304" pitchFamily="18" charset="0"/>
+                          </a:rPr>
+                          <m:t>𝑲</m:t>
+                        </m:r>
+                      </m:e>
+                      <m:sub>
+                        <m:r>
+                          <a:rPr lang="en-SG" sz="1400" b="1" i="1" smtClean="0">
+                            <a:latin typeface="Cambria Math" panose="02040503050406030204" pitchFamily="18" charset="0"/>
+                            <a:cs typeface="Times New Roman" panose="02020603050405020304" pitchFamily="18" charset="0"/>
+                          </a:rPr>
+                          <m:t>𝑪𝑨</m:t>
+                        </m:r>
+                      </m:sub>
+                      <m:sup>
+                        <m:r>
+                          <a:rPr lang="en-SG" sz="1400" b="1" i="1">
+                            <a:latin typeface="Cambria Math" panose="02040503050406030204" pitchFamily="18" charset="0"/>
+                            <a:cs typeface="Times New Roman" panose="02020603050405020304" pitchFamily="18" charset="0"/>
+                          </a:rPr>
+                          <m:t>+</m:t>
+                        </m:r>
+                      </m:sup>
+                    </m:sSubSup>
+                  </m:oMath>
+                </a14:m>
+                <a:r>
+                  <a:rPr lang="en-SG" sz="1400" dirty="0">
+                    <a:latin typeface="Times New Roman" panose="02020603050405020304" pitchFamily="18" charset="0"/>
+                    <a:cs typeface="Times New Roman" panose="02020603050405020304" pitchFamily="18" charset="0"/>
+                  </a:rPr>
+                  <a:t>) </a:t>
+                </a:r>
+              </a:p>
+              <a:p>
+                <a:r>
+                  <a:rPr lang="en-SG" sz="1400" dirty="0">
+                    <a:latin typeface="Times New Roman" panose="02020603050405020304" pitchFamily="18" charset="0"/>
+                    <a:cs typeface="Times New Roman" panose="02020603050405020304" pitchFamily="18" charset="0"/>
+                  </a:rPr>
+                  <a:t>- Extract </a:t>
+                </a:r>
+                <a14:m>
+                  <m:oMath xmlns:m="http://schemas.openxmlformats.org/officeDocument/2006/math">
+                    <m:sSubSup>
+                      <m:sSubSupPr>
+                        <m:ctrlPr>
+                          <a:rPr lang="en-SG" sz="1400" b="1" i="1">
+                            <a:latin typeface="Cambria Math" panose="02040503050406030204" pitchFamily="18" charset="0"/>
+                            <a:cs typeface="Times New Roman" panose="02020603050405020304" pitchFamily="18" charset="0"/>
+                          </a:rPr>
+                        </m:ctrlPr>
+                      </m:sSubSupPr>
+                      <m:e>
+                        <m:r>
+                          <a:rPr lang="en-SG" sz="1400" b="1" i="1">
+                            <a:latin typeface="Cambria Math" panose="02040503050406030204" pitchFamily="18" charset="0"/>
+                            <a:cs typeface="Times New Roman" panose="02020603050405020304" pitchFamily="18" charset="0"/>
+                          </a:rPr>
+                          <m:t>𝑲</m:t>
+                        </m:r>
+                      </m:e>
+                      <m:sub>
+                        <m:r>
+                          <a:rPr lang="en-SG" sz="1400" b="1" i="1">
+                            <a:latin typeface="Cambria Math" panose="02040503050406030204" pitchFamily="18" charset="0"/>
+                            <a:cs typeface="Times New Roman" panose="02020603050405020304" pitchFamily="18" charset="0"/>
+                          </a:rPr>
+                          <m:t>𝒔</m:t>
+                        </m:r>
+                      </m:sub>
+                      <m:sup>
+                        <m:r>
+                          <a:rPr lang="en-SG" sz="1400" b="1" i="1">
+                            <a:latin typeface="Cambria Math" panose="02040503050406030204" pitchFamily="18" charset="0"/>
+                            <a:cs typeface="Times New Roman" panose="02020603050405020304" pitchFamily="18" charset="0"/>
+                          </a:rPr>
+                          <m:t>+</m:t>
+                        </m:r>
+                      </m:sup>
+                    </m:sSubSup>
+                  </m:oMath>
+                </a14:m>
+                <a:endParaRPr lang="en-SG" sz="1400" dirty="0">
+                  <a:latin typeface="Times New Roman" panose="02020603050405020304" pitchFamily="18" charset="0"/>
+                  <a:cs typeface="Times New Roman" panose="02020603050405020304" pitchFamily="18" charset="0"/>
+                </a:endParaRPr>
+              </a:p>
+              <a:p>
+                <a:r>
+                  <a:rPr lang="en-SG" sz="1400" dirty="0">
+                    <a:latin typeface="Times New Roman" panose="02020603050405020304" pitchFamily="18" charset="0"/>
+                    <a:cs typeface="Times New Roman" panose="02020603050405020304" pitchFamily="18" charset="0"/>
+                  </a:rPr>
+                  <a:t>- Compute </a:t>
+                </a:r>
+                <a14:m>
+                  <m:oMath xmlns:m="http://schemas.openxmlformats.org/officeDocument/2006/math">
+                    <m:sSubSup>
+                      <m:sSubSupPr>
+                        <m:ctrlPr>
+                          <a:rPr lang="en-SG" sz="1400" b="1" i="1">
+                            <a:latin typeface="Cambria Math" panose="02040503050406030204" pitchFamily="18" charset="0"/>
+                            <a:cs typeface="Times New Roman" panose="02020603050405020304" pitchFamily="18" charset="0"/>
+                          </a:rPr>
+                        </m:ctrlPr>
+                      </m:sSubSupPr>
+                      <m:e>
+                        <m:r>
+                          <a:rPr lang="en-SG" sz="1400" b="1" i="1">
+                            <a:latin typeface="Cambria Math" panose="02040503050406030204" pitchFamily="18" charset="0"/>
+                            <a:cs typeface="Times New Roman" panose="02020603050405020304" pitchFamily="18" charset="0"/>
+                          </a:rPr>
+                          <m:t>𝑲</m:t>
+                        </m:r>
+                      </m:e>
+                      <m:sub>
+                        <m:r>
+                          <a:rPr lang="en-SG" sz="1400" b="1" i="1">
+                            <a:latin typeface="Cambria Math" panose="02040503050406030204" pitchFamily="18" charset="0"/>
+                            <a:cs typeface="Times New Roman" panose="02020603050405020304" pitchFamily="18" charset="0"/>
+                          </a:rPr>
+                          <m:t>𝒔</m:t>
+                        </m:r>
+                      </m:sub>
+                      <m:sup>
+                        <m:r>
+                          <a:rPr lang="en-SG" sz="1400" b="1" i="1">
+                            <a:latin typeface="Cambria Math" panose="02040503050406030204" pitchFamily="18" charset="0"/>
+                            <a:cs typeface="Times New Roman" panose="02020603050405020304" pitchFamily="18" charset="0"/>
+                          </a:rPr>
+                          <m:t>+</m:t>
+                        </m:r>
+                      </m:sup>
+                    </m:sSubSup>
+                  </m:oMath>
+                </a14:m>
+                <a:r>
+                  <a:rPr lang="en-SG" sz="1400" dirty="0">
+                    <a:latin typeface="Times New Roman" panose="02020603050405020304" pitchFamily="18" charset="0"/>
+                    <a:cs typeface="Times New Roman" panose="02020603050405020304" pitchFamily="18" charset="0"/>
+                  </a:rPr>
+                  <a:t> (</a:t>
+                </a:r>
+                <a14:m>
+                  <m:oMath xmlns:m="http://schemas.openxmlformats.org/officeDocument/2006/math">
+                    <m:sSubSup>
+                      <m:sSubSupPr>
+                        <m:ctrlPr>
+                          <a:rPr lang="en-SG" sz="1400" b="1" i="1">
+                            <a:latin typeface="Cambria Math" panose="02040503050406030204" pitchFamily="18" charset="0"/>
+                            <a:cs typeface="Times New Roman" panose="02020603050405020304" pitchFamily="18" charset="0"/>
+                          </a:rPr>
+                        </m:ctrlPr>
+                      </m:sSubSupPr>
+                      <m:e>
+                        <m:r>
+                          <a:rPr lang="en-SG" sz="1400" b="1" i="1">
+                            <a:latin typeface="Cambria Math" panose="02040503050406030204" pitchFamily="18" charset="0"/>
+                            <a:cs typeface="Times New Roman" panose="02020603050405020304" pitchFamily="18" charset="0"/>
+                          </a:rPr>
+                          <m:t>𝑲</m:t>
+                        </m:r>
+                      </m:e>
+                      <m:sub>
+                        <m:r>
+                          <a:rPr lang="en-SG" sz="1400" b="1" i="1">
+                            <a:latin typeface="Cambria Math" panose="02040503050406030204" pitchFamily="18" charset="0"/>
+                            <a:cs typeface="Times New Roman" panose="02020603050405020304" pitchFamily="18" charset="0"/>
+                          </a:rPr>
+                          <m:t>𝑺</m:t>
+                        </m:r>
+                      </m:sub>
+                      <m:sup>
+                        <m:r>
+                          <a:rPr lang="en-SG" sz="1400" b="1" i="1">
+                            <a:latin typeface="Cambria Math" panose="02040503050406030204" pitchFamily="18" charset="0"/>
+                            <a:cs typeface="Times New Roman" panose="02020603050405020304" pitchFamily="18" charset="0"/>
+                          </a:rPr>
+                          <m:t>−</m:t>
+                        </m:r>
+                      </m:sup>
+                    </m:sSubSup>
+                  </m:oMath>
+                </a14:m>
+                <a:r>
+                  <a:rPr lang="en-SG" sz="1400" dirty="0">
+                    <a:latin typeface="Times New Roman" panose="02020603050405020304" pitchFamily="18" charset="0"/>
+                    <a:cs typeface="Times New Roman" panose="02020603050405020304" pitchFamily="18" charset="0"/>
+                  </a:rPr>
+                  <a:t>{ nonce })</a:t>
+                </a:r>
+              </a:p>
+              <a:p>
+                <a:r>
+                  <a:rPr lang="en-SG" sz="1400" dirty="0">
+                    <a:latin typeface="Times New Roman" panose="02020603050405020304" pitchFamily="18" charset="0"/>
+                    <a:cs typeface="Times New Roman" panose="02020603050405020304" pitchFamily="18" charset="0"/>
+                  </a:rPr>
+                  <a:t>- Check that </a:t>
+                </a:r>
+                <a14:m>
+                  <m:oMath xmlns:m="http://schemas.openxmlformats.org/officeDocument/2006/math">
+                    <m:sSubSup>
+                      <m:sSubSupPr>
+                        <m:ctrlPr>
+                          <a:rPr lang="en-SG" sz="1400" b="1" i="1">
+                            <a:latin typeface="Cambria Math" panose="02040503050406030204" pitchFamily="18" charset="0"/>
+                            <a:cs typeface="Times New Roman" panose="02020603050405020304" pitchFamily="18" charset="0"/>
+                          </a:rPr>
+                        </m:ctrlPr>
+                      </m:sSubSupPr>
+                      <m:e>
+                        <m:r>
+                          <a:rPr lang="en-SG" sz="1400" b="1" i="1">
+                            <a:latin typeface="Cambria Math" panose="02040503050406030204" pitchFamily="18" charset="0"/>
+                            <a:cs typeface="Times New Roman" panose="02020603050405020304" pitchFamily="18" charset="0"/>
+                          </a:rPr>
+                          <m:t>𝑲</m:t>
+                        </m:r>
+                      </m:e>
+                      <m:sub>
+                        <m:r>
+                          <a:rPr lang="en-SG" sz="1400" b="1" i="1">
+                            <a:latin typeface="Cambria Math" panose="02040503050406030204" pitchFamily="18" charset="0"/>
+                            <a:cs typeface="Times New Roman" panose="02020603050405020304" pitchFamily="18" charset="0"/>
+                          </a:rPr>
+                          <m:t>𝒔</m:t>
+                        </m:r>
+                      </m:sub>
+                      <m:sup>
+                        <m:r>
+                          <a:rPr lang="en-SG" sz="1400" b="1" i="1">
+                            <a:latin typeface="Cambria Math" panose="02040503050406030204" pitchFamily="18" charset="0"/>
+                            <a:cs typeface="Times New Roman" panose="02020603050405020304" pitchFamily="18" charset="0"/>
+                          </a:rPr>
+                          <m:t>+</m:t>
+                        </m:r>
+                      </m:sup>
+                    </m:sSubSup>
+                  </m:oMath>
+                </a14:m>
+                <a:r>
+                  <a:rPr lang="en-SG" sz="1400" dirty="0">
+                    <a:latin typeface="Times New Roman" panose="02020603050405020304" pitchFamily="18" charset="0"/>
+                    <a:cs typeface="Times New Roman" panose="02020603050405020304" pitchFamily="18" charset="0"/>
+                  </a:rPr>
+                  <a:t> (</a:t>
+                </a:r>
+                <a14:m>
+                  <m:oMath xmlns:m="http://schemas.openxmlformats.org/officeDocument/2006/math">
+                    <m:sSubSup>
+                      <m:sSubSupPr>
+                        <m:ctrlPr>
+                          <a:rPr lang="en-SG" sz="1400" b="1" i="1">
+                            <a:latin typeface="Cambria Math" panose="02040503050406030204" pitchFamily="18" charset="0"/>
+                            <a:cs typeface="Times New Roman" panose="02020603050405020304" pitchFamily="18" charset="0"/>
+                          </a:rPr>
+                        </m:ctrlPr>
+                      </m:sSubSupPr>
+                      <m:e>
+                        <m:r>
+                          <a:rPr lang="en-SG" sz="1400" b="1" i="1">
+                            <a:latin typeface="Cambria Math" panose="02040503050406030204" pitchFamily="18" charset="0"/>
+                            <a:cs typeface="Times New Roman" panose="02020603050405020304" pitchFamily="18" charset="0"/>
+                          </a:rPr>
+                          <m:t>𝑲</m:t>
+                        </m:r>
+                      </m:e>
+                      <m:sub>
+                        <m:r>
+                          <a:rPr lang="en-SG" sz="1400" b="1" i="1">
+                            <a:latin typeface="Cambria Math" panose="02040503050406030204" pitchFamily="18" charset="0"/>
+                            <a:cs typeface="Times New Roman" panose="02020603050405020304" pitchFamily="18" charset="0"/>
+                          </a:rPr>
+                          <m:t>𝑺</m:t>
+                        </m:r>
+                      </m:sub>
+                      <m:sup>
+                        <m:r>
+                          <a:rPr lang="en-SG" sz="1400" b="1" i="1">
+                            <a:latin typeface="Cambria Math" panose="02040503050406030204" pitchFamily="18" charset="0"/>
+                            <a:cs typeface="Times New Roman" panose="02020603050405020304" pitchFamily="18" charset="0"/>
+                          </a:rPr>
+                          <m:t>−</m:t>
+                        </m:r>
+                      </m:sup>
+                    </m:sSubSup>
+                  </m:oMath>
+                </a14:m>
+                <a:r>
+                  <a:rPr lang="en-SG" sz="1400" dirty="0">
+                    <a:latin typeface="Times New Roman" panose="02020603050405020304" pitchFamily="18" charset="0"/>
+                    <a:cs typeface="Times New Roman" panose="02020603050405020304" pitchFamily="18" charset="0"/>
+                  </a:rPr>
+                  <a:t>{ nonce }) = nonce</a:t>
+                </a:r>
+              </a:p>
+            </p:txBody>
+          </p:sp>
+        </mc:Choice>
+        <mc:Fallback xmlns="">
+          <p:sp>
+            <p:nvSpPr>
+              <p:cNvPr id="30" name="TextBox 29">
+                <a:extLst>
+                  <a:ext uri="{FF2B5EF4-FFF2-40B4-BE49-F238E27FC236}">
+                    <a16:creationId xmlns:a16="http://schemas.microsoft.com/office/drawing/2014/main" id="{ADF5B2B4-7667-4988-A95C-6BD4B56C0FB1}"/>
+                  </a:ext>
+                </a:extLst>
+              </p:cNvPr>
+              <p:cNvSpPr txBox="1">
+                <a:spLocks noRot="1" noChangeAspect="1" noMove="1" noResize="1" noEditPoints="1" noAdjustHandles="1" noChangeArrowheads="1" noChangeShapeType="1" noTextEdit="1"/>
+              </p:cNvSpPr>
+              <p:nvPr/>
+            </p:nvSpPr>
+            <p:spPr>
+              <a:xfrm>
+                <a:off x="-2391259" y="3299836"/>
+                <a:ext cx="3716257" cy="1388650"/>
+              </a:xfrm>
+              <a:prstGeom prst="rect">
+                <a:avLst/>
+              </a:prstGeom>
+              <a:blipFill>
+                <a:blip r:embed="rId6"/>
+                <a:stretch>
+                  <a:fillRect l="-327" r="-818" b="-3478"/>
+                </a:stretch>
+              </a:blipFill>
+              <a:ln>
+                <a:solidFill>
+                  <a:schemeClr val="tx1"/>
+                </a:solidFill>
+              </a:ln>
+            </p:spPr>
+            <p:txBody>
+              <a:bodyPr/>
+              <a:lstStyle/>
+              <a:p>
+                <a:r>
+                  <a:rPr lang="en-SG">
+                    <a:noFill/>
+                  </a:rPr>
+                  <a:t> </a:t>
+                </a:r>
+              </a:p>
+            </p:txBody>
+          </p:sp>
+        </mc:Fallback>
+      </mc:AlternateContent>
+      <p:sp>
+        <p:nvSpPr>
+          <p:cNvPr id="31" name="TextBox 30">
+            <a:extLst>
+              <a:ext uri="{FF2B5EF4-FFF2-40B4-BE49-F238E27FC236}">
+                <a16:creationId xmlns:a16="http://schemas.microsoft.com/office/drawing/2014/main" id="{DE0EAED1-B394-49EE-A179-3895C0BCFB6F}"/>
+              </a:ext>
+            </a:extLst>
+          </p:cNvPr>
+          <p:cNvSpPr txBox="1"/>
+          <p:nvPr/>
+        </p:nvSpPr>
+        <p:spPr>
+          <a:xfrm>
+            <a:off x="198685" y="4974776"/>
+            <a:ext cx="1459332" cy="307777"/>
+          </a:xfrm>
+          <a:prstGeom prst="rect">
+            <a:avLst/>
+          </a:prstGeom>
+          <a:noFill/>
+        </p:spPr>
+        <p:txBody>
+          <a:bodyPr wrap="square" rtlCol="0">
+            <a:spAutoFit/>
+          </a:bodyPr>
+          <a:lstStyle/>
+          <a:p>
+            <a:r>
+              <a:rPr lang="en-SG" sz="1400" dirty="0">
+                <a:solidFill>
+                  <a:srgbClr val="FF0000"/>
+                </a:solidFill>
+                <a:latin typeface="Times New Roman" panose="02020603050405020304" pitchFamily="18" charset="0"/>
+                <a:cs typeface="Times New Roman" panose="02020603050405020304" pitchFamily="18" charset="0"/>
+              </a:rPr>
+              <a:t>If check failed</a:t>
+            </a:r>
+          </a:p>
+        </p:txBody>
+      </p:sp>
+      <p:sp>
+        <p:nvSpPr>
+          <p:cNvPr id="34" name="TextBox 33">
+            <a:extLst>
+              <a:ext uri="{FF2B5EF4-FFF2-40B4-BE49-F238E27FC236}">
+                <a16:creationId xmlns:a16="http://schemas.microsoft.com/office/drawing/2014/main" id="{B085F0A1-1058-4A9A-9B4E-23BA2392F05A}"/>
+              </a:ext>
+            </a:extLst>
+          </p:cNvPr>
+          <p:cNvSpPr txBox="1"/>
+          <p:nvPr/>
+        </p:nvSpPr>
+        <p:spPr>
+          <a:xfrm>
+            <a:off x="-107259" y="5630036"/>
+            <a:ext cx="1765276" cy="307777"/>
+          </a:xfrm>
+          <a:prstGeom prst="rect">
+            <a:avLst/>
+          </a:prstGeom>
+          <a:noFill/>
+        </p:spPr>
+        <p:txBody>
+          <a:bodyPr wrap="square" rtlCol="0">
+            <a:spAutoFit/>
+          </a:bodyPr>
+          <a:lstStyle/>
+          <a:p>
+            <a:r>
+              <a:rPr lang="en-SG" sz="1400" dirty="0">
+                <a:solidFill>
+                  <a:srgbClr val="FF0000"/>
+                </a:solidFill>
+                <a:latin typeface="Times New Roman" panose="02020603050405020304" pitchFamily="18" charset="0"/>
+                <a:cs typeface="Times New Roman" panose="02020603050405020304" pitchFamily="18" charset="0"/>
+              </a:rPr>
+              <a:t>If check succeeded</a:t>
+            </a:r>
+          </a:p>
+        </p:txBody>
+      </p:sp>
+      <p:cxnSp>
+        <p:nvCxnSpPr>
+          <p:cNvPr id="35" name="Straight Arrow Connector 34">
+            <a:extLst>
+              <a:ext uri="{FF2B5EF4-FFF2-40B4-BE49-F238E27FC236}">
+                <a16:creationId xmlns:a16="http://schemas.microsoft.com/office/drawing/2014/main" id="{89EAA38D-6AF6-4113-80F0-DDDF85D43083}"/>
+              </a:ext>
+            </a:extLst>
+          </p:cNvPr>
+          <p:cNvCxnSpPr/>
+          <p:nvPr/>
+        </p:nvCxnSpPr>
+        <p:spPr>
+          <a:xfrm>
+            <a:off x="1509813" y="5109623"/>
+            <a:ext cx="3893293" cy="381000"/>
+          </a:xfrm>
+          <a:prstGeom prst="straightConnector1">
+            <a:avLst/>
+          </a:prstGeom>
+          <a:ln w="12700">
+            <a:headEnd type="none" w="med" len="med"/>
+            <a:tailEnd type="arrow" w="med" len="med"/>
+          </a:ln>
+        </p:spPr>
+        <p:style>
+          <a:lnRef idx="1">
+            <a:schemeClr val="dk1"/>
+          </a:lnRef>
+          <a:fillRef idx="0">
+            <a:schemeClr val="dk1"/>
+          </a:fillRef>
+          <a:effectRef idx="0">
+            <a:schemeClr val="dk1"/>
+          </a:effectRef>
+          <a:fontRef idx="minor">
+            <a:schemeClr val="tx1"/>
+          </a:fontRef>
+        </p:style>
+      </p:cxnSp>
+      <p:sp>
+        <p:nvSpPr>
+          <p:cNvPr id="36" name="TextBox 35">
+            <a:extLst>
+              <a:ext uri="{FF2B5EF4-FFF2-40B4-BE49-F238E27FC236}">
+                <a16:creationId xmlns:a16="http://schemas.microsoft.com/office/drawing/2014/main" id="{8D62A91C-F208-446E-B1C1-F9EF276875C0}"/>
+              </a:ext>
+            </a:extLst>
+          </p:cNvPr>
+          <p:cNvSpPr txBox="1"/>
+          <p:nvPr/>
+        </p:nvSpPr>
+        <p:spPr>
+          <a:xfrm rot="324564">
+            <a:off x="3103367" y="5011711"/>
+            <a:ext cx="635110" cy="307777"/>
+          </a:xfrm>
+          <a:prstGeom prst="rect">
+            <a:avLst/>
+          </a:prstGeom>
+          <a:noFill/>
+        </p:spPr>
+        <p:txBody>
+          <a:bodyPr wrap="none" rtlCol="0">
+            <a:spAutoFit/>
+          </a:bodyPr>
+          <a:lstStyle/>
+          <a:p>
+            <a:r>
+              <a:rPr lang="en-SG" sz="1400" dirty="0">
+                <a:latin typeface="Times New Roman" panose="02020603050405020304" pitchFamily="18" charset="0"/>
+                <a:cs typeface="Times New Roman" panose="02020603050405020304" pitchFamily="18" charset="0"/>
+              </a:rPr>
+              <a:t>“Bye”</a:t>
+            </a:r>
+          </a:p>
+        </p:txBody>
+      </p:sp>
+      <p:cxnSp>
+        <p:nvCxnSpPr>
+          <p:cNvPr id="37" name="Straight Arrow Connector 36">
+            <a:extLst>
+              <a:ext uri="{FF2B5EF4-FFF2-40B4-BE49-F238E27FC236}">
+                <a16:creationId xmlns:a16="http://schemas.microsoft.com/office/drawing/2014/main" id="{5D2B00C4-393C-4E43-8655-E4DAABE2AFF8}"/>
+              </a:ext>
+            </a:extLst>
+          </p:cNvPr>
+          <p:cNvCxnSpPr/>
+          <p:nvPr/>
+        </p:nvCxnSpPr>
+        <p:spPr>
+          <a:xfrm>
+            <a:off x="1499413" y="5845236"/>
+            <a:ext cx="3893293" cy="381000"/>
+          </a:xfrm>
+          <a:prstGeom prst="straightConnector1">
+            <a:avLst/>
+          </a:prstGeom>
+          <a:ln w="12700">
+            <a:headEnd type="none" w="med" len="med"/>
+            <a:tailEnd type="arrow" w="med" len="med"/>
+          </a:ln>
+        </p:spPr>
+        <p:style>
+          <a:lnRef idx="1">
+            <a:schemeClr val="dk1"/>
+          </a:lnRef>
+          <a:fillRef idx="0">
+            <a:schemeClr val="dk1"/>
+          </a:fillRef>
+          <a:effectRef idx="0">
+            <a:schemeClr val="dk1"/>
+          </a:effectRef>
+          <a:fontRef idx="minor">
+            <a:schemeClr val="tx1"/>
+          </a:fontRef>
+        </p:style>
+      </p:cxnSp>
+      <p:sp>
+        <p:nvSpPr>
+          <p:cNvPr id="38" name="TextBox 37">
+            <a:extLst>
+              <a:ext uri="{FF2B5EF4-FFF2-40B4-BE49-F238E27FC236}">
+                <a16:creationId xmlns:a16="http://schemas.microsoft.com/office/drawing/2014/main" id="{BFC6E34E-2962-4BD6-80D0-6EC476F51263}"/>
+              </a:ext>
+            </a:extLst>
+          </p:cNvPr>
+          <p:cNvSpPr txBox="1"/>
+          <p:nvPr/>
+        </p:nvSpPr>
+        <p:spPr>
+          <a:xfrm rot="324564">
+            <a:off x="2382840" y="5747324"/>
+            <a:ext cx="2055371" cy="307777"/>
+          </a:xfrm>
+          <a:prstGeom prst="rect">
+            <a:avLst/>
+          </a:prstGeom>
+          <a:noFill/>
+        </p:spPr>
+        <p:txBody>
+          <a:bodyPr wrap="none" rtlCol="0">
+            <a:spAutoFit/>
+          </a:bodyPr>
+          <a:lstStyle/>
+          <a:p>
+            <a:r>
+              <a:rPr lang="en-SG" sz="1400" dirty="0">
+                <a:latin typeface="Times New Roman" panose="02020603050405020304" pitchFamily="18" charset="0"/>
+                <a:cs typeface="Times New Roman" panose="02020603050405020304" pitchFamily="18" charset="0"/>
+              </a:rPr>
+              <a:t>Handshake for file upload</a:t>
+            </a:r>
+          </a:p>
+        </p:txBody>
+      </p:sp>
+      <p:pic>
+        <p:nvPicPr>
+          <p:cNvPr id="32" name="Picture 31">
+            <a:extLst>
+              <a:ext uri="{FF2B5EF4-FFF2-40B4-BE49-F238E27FC236}">
+                <a16:creationId xmlns:a16="http://schemas.microsoft.com/office/drawing/2014/main" id="{A651FA62-9D3E-4FBB-94B9-408D23548AE0}"/>
+              </a:ext>
+            </a:extLst>
+          </p:cNvPr>
+          <p:cNvPicPr/>
+          <p:nvPr/>
+        </p:nvPicPr>
+        <p:blipFill>
+          <a:blip r:embed="rId7">
+            <a:extLst>
+              <a:ext uri="{28A0092B-C50C-407E-A947-70E740481C1C}">
+                <a14:useLocalDpi xmlns:a14="http://schemas.microsoft.com/office/drawing/2010/main" val="0"/>
+              </a:ext>
+            </a:extLst>
+          </a:blip>
+          <a:srcRect/>
+          <a:stretch>
+            <a:fillRect/>
+          </a:stretch>
+        </p:blipFill>
+        <p:spPr bwMode="auto">
+          <a:xfrm>
+            <a:off x="-7541090" y="12423"/>
+            <a:ext cx="4503420" cy="8930640"/>
+          </a:xfrm>
+          <a:prstGeom prst="rect">
+            <a:avLst/>
+          </a:prstGeom>
+          <a:noFill/>
+          <a:ln>
+            <a:noFill/>
+          </a:ln>
+        </p:spPr>
+      </p:pic>
+      <p:cxnSp>
+        <p:nvCxnSpPr>
+          <p:cNvPr id="33" name="Straight Arrow Connector 32">
+            <a:extLst>
+              <a:ext uri="{FF2B5EF4-FFF2-40B4-BE49-F238E27FC236}">
+                <a16:creationId xmlns:a16="http://schemas.microsoft.com/office/drawing/2014/main" id="{198EE21C-BAEE-4928-BA51-18007E58CFB4}"/>
+              </a:ext>
+            </a:extLst>
+          </p:cNvPr>
+          <p:cNvCxnSpPr/>
+          <p:nvPr/>
+        </p:nvCxnSpPr>
+        <p:spPr>
+          <a:xfrm>
+            <a:off x="1499413" y="6460716"/>
+            <a:ext cx="3893293" cy="381000"/>
+          </a:xfrm>
+          <a:prstGeom prst="straightConnector1">
+            <a:avLst/>
+          </a:prstGeom>
+          <a:ln w="12700">
+            <a:headEnd type="none" w="med" len="med"/>
+            <a:tailEnd type="arrow" w="med" len="med"/>
+          </a:ln>
+        </p:spPr>
+        <p:style>
+          <a:lnRef idx="1">
+            <a:schemeClr val="dk1"/>
+          </a:lnRef>
+          <a:fillRef idx="0">
+            <a:schemeClr val="dk1"/>
+          </a:fillRef>
+          <a:effectRef idx="0">
+            <a:schemeClr val="dk1"/>
+          </a:effectRef>
+          <a:fontRef idx="minor">
+            <a:schemeClr val="tx1"/>
+          </a:fontRef>
+        </p:style>
+      </p:cxnSp>
+      <mc:AlternateContent xmlns:mc="http://schemas.openxmlformats.org/markup-compatibility/2006">
+        <mc:Choice xmlns:a14="http://schemas.microsoft.com/office/drawing/2010/main" Requires="a14">
+          <p:sp>
+            <p:nvSpPr>
+              <p:cNvPr id="39" name="TextBox 38">
+                <a:extLst>
+                  <a:ext uri="{FF2B5EF4-FFF2-40B4-BE49-F238E27FC236}">
+                    <a16:creationId xmlns:a16="http://schemas.microsoft.com/office/drawing/2014/main" id="{1CBD10EB-5134-4854-93E5-6D2889ED3B46}"/>
+                  </a:ext>
+                </a:extLst>
+              </p:cNvPr>
+              <p:cNvSpPr txBox="1"/>
+              <p:nvPr/>
+            </p:nvSpPr>
+            <p:spPr>
+              <a:xfrm rot="324564">
+                <a:off x="2782277" y="6362804"/>
+                <a:ext cx="1256498" cy="307777"/>
+              </a:xfrm>
+              <a:prstGeom prst="rect">
+                <a:avLst/>
+              </a:prstGeom>
+              <a:noFill/>
+            </p:spPr>
+            <p:txBody>
+              <a:bodyPr wrap="none" rtlCol="0">
+                <a:spAutoFit/>
+              </a:bodyPr>
+              <a:lstStyle/>
+              <a:p>
+                <a14:m>
+                  <m:oMath xmlns:m="http://schemas.openxmlformats.org/officeDocument/2006/math">
+                    <m:sSubSup>
+                      <m:sSubSupPr>
+                        <m:ctrlPr>
+                          <a:rPr lang="en-SG" sz="1400" b="1" i="1">
+                            <a:latin typeface="Cambria Math" panose="02040503050406030204" pitchFamily="18" charset="0"/>
+                            <a:cs typeface="Times New Roman" panose="02020603050405020304" pitchFamily="18" charset="0"/>
+                          </a:rPr>
+                        </m:ctrlPr>
+                      </m:sSubSupPr>
+                      <m:e>
+                        <m:r>
+                          <a:rPr lang="en-SG" sz="1400" b="1" i="1">
+                            <a:latin typeface="Cambria Math" panose="02040503050406030204" pitchFamily="18" charset="0"/>
+                            <a:cs typeface="Times New Roman" panose="02020603050405020304" pitchFamily="18" charset="0"/>
+                          </a:rPr>
+                          <m:t>𝑲</m:t>
+                        </m:r>
+                      </m:e>
+                      <m:sub>
+                        <m:r>
+                          <a:rPr lang="en-SG" sz="1400" b="1" i="1">
+                            <a:latin typeface="Cambria Math" panose="02040503050406030204" pitchFamily="18" charset="0"/>
+                            <a:cs typeface="Times New Roman" panose="02020603050405020304" pitchFamily="18" charset="0"/>
+                          </a:rPr>
+                          <m:t>𝒔</m:t>
+                        </m:r>
+                      </m:sub>
+                      <m:sup>
+                        <m:r>
+                          <a:rPr lang="en-SG" sz="1400" b="1" i="1">
+                            <a:latin typeface="Cambria Math" panose="02040503050406030204" pitchFamily="18" charset="0"/>
+                            <a:cs typeface="Times New Roman" panose="02020603050405020304" pitchFamily="18" charset="0"/>
+                          </a:rPr>
+                          <m:t>+</m:t>
+                        </m:r>
+                      </m:sup>
+                    </m:sSubSup>
+                    <m:r>
+                      <a:rPr lang="en-SG" sz="1400" b="1" i="1">
+                        <a:latin typeface="Cambria Math" panose="02040503050406030204" pitchFamily="18" charset="0"/>
+                        <a:cs typeface="Times New Roman" panose="02020603050405020304" pitchFamily="18" charset="0"/>
+                      </a:rPr>
+                      <m:t> </m:t>
+                    </m:r>
+                  </m:oMath>
+                </a14:m>
+                <a:r>
+                  <a:rPr lang="en-SG" sz="1400" dirty="0">
+                    <a:latin typeface="Times New Roman" panose="02020603050405020304" pitchFamily="18" charset="0"/>
+                    <a:cs typeface="Times New Roman" panose="02020603050405020304" pitchFamily="18" charset="0"/>
+                  </a:rPr>
+                  <a:t>(file name)</a:t>
+                </a:r>
+              </a:p>
+            </p:txBody>
+          </p:sp>
+        </mc:Choice>
+        <mc:Fallback>
+          <p:sp>
+            <p:nvSpPr>
+              <p:cNvPr id="39" name="TextBox 38">
+                <a:extLst>
+                  <a:ext uri="{FF2B5EF4-FFF2-40B4-BE49-F238E27FC236}">
+                    <a16:creationId xmlns:a16="http://schemas.microsoft.com/office/drawing/2014/main" id="{1CBD10EB-5134-4854-93E5-6D2889ED3B46}"/>
+                  </a:ext>
+                </a:extLst>
+              </p:cNvPr>
+              <p:cNvSpPr txBox="1">
+                <a:spLocks noRot="1" noChangeAspect="1" noMove="1" noResize="1" noEditPoints="1" noAdjustHandles="1" noChangeArrowheads="1" noChangeShapeType="1" noTextEdit="1"/>
+              </p:cNvSpPr>
+              <p:nvPr/>
+            </p:nvSpPr>
+            <p:spPr>
+              <a:xfrm rot="324564">
+                <a:off x="2782277" y="6362804"/>
+                <a:ext cx="1256498" cy="307777"/>
+              </a:xfrm>
+              <a:prstGeom prst="rect">
+                <a:avLst/>
+              </a:prstGeom>
+              <a:blipFill>
+                <a:blip r:embed="rId8"/>
+                <a:stretch>
+                  <a:fillRect b="-14286"/>
+                </a:stretch>
+              </a:blipFill>
+            </p:spPr>
+            <p:txBody>
+              <a:bodyPr/>
+              <a:lstStyle/>
+              <a:p>
+                <a:r>
+                  <a:rPr lang="en-SG">
+                    <a:noFill/>
+                  </a:rPr>
+                  <a:t> </a:t>
+                </a:r>
+              </a:p>
+            </p:txBody>
+          </p:sp>
+        </mc:Fallback>
+      </mc:AlternateContent>
+      <p:cxnSp>
+        <p:nvCxnSpPr>
+          <p:cNvPr id="40" name="Straight Arrow Connector 39">
+            <a:extLst>
+              <a:ext uri="{FF2B5EF4-FFF2-40B4-BE49-F238E27FC236}">
+                <a16:creationId xmlns:a16="http://schemas.microsoft.com/office/drawing/2014/main" id="{308597D9-6770-4741-AFD6-C05F7ACC0AAA}"/>
+              </a:ext>
+            </a:extLst>
+          </p:cNvPr>
+          <p:cNvCxnSpPr/>
+          <p:nvPr/>
+        </p:nvCxnSpPr>
+        <p:spPr>
+          <a:xfrm>
+            <a:off x="1499413" y="6971464"/>
+            <a:ext cx="3893293" cy="381000"/>
+          </a:xfrm>
+          <a:prstGeom prst="straightConnector1">
+            <a:avLst/>
+          </a:prstGeom>
+          <a:ln w="12700">
+            <a:headEnd type="none" w="med" len="med"/>
+            <a:tailEnd type="arrow" w="med" len="med"/>
+          </a:ln>
+        </p:spPr>
+        <p:style>
+          <a:lnRef idx="1">
+            <a:schemeClr val="dk1"/>
+          </a:lnRef>
+          <a:fillRef idx="0">
+            <a:schemeClr val="dk1"/>
+          </a:fillRef>
+          <a:effectRef idx="0">
+            <a:schemeClr val="dk1"/>
+          </a:effectRef>
+          <a:fontRef idx="minor">
+            <a:schemeClr val="tx1"/>
+          </a:fontRef>
+        </p:style>
+      </p:cxnSp>
+      <mc:AlternateContent xmlns:mc="http://schemas.openxmlformats.org/markup-compatibility/2006" xmlns:a14="http://schemas.microsoft.com/office/drawing/2010/main">
+        <mc:Choice Requires="a14">
+          <p:sp>
+            <p:nvSpPr>
+              <p:cNvPr id="41" name="TextBox 40">
+                <a:extLst>
+                  <a:ext uri="{FF2B5EF4-FFF2-40B4-BE49-F238E27FC236}">
+                    <a16:creationId xmlns:a16="http://schemas.microsoft.com/office/drawing/2014/main" id="{2D09D614-821F-4D83-B27D-385E1B7A3281}"/>
+                  </a:ext>
+                </a:extLst>
+              </p:cNvPr>
+              <p:cNvSpPr txBox="1"/>
+              <p:nvPr/>
+            </p:nvSpPr>
+            <p:spPr>
+              <a:xfrm rot="324564">
+                <a:off x="2730181" y="6873552"/>
+                <a:ext cx="1360694" cy="307777"/>
+              </a:xfrm>
+              <a:prstGeom prst="rect">
+                <a:avLst/>
+              </a:prstGeom>
+              <a:noFill/>
+            </p:spPr>
+            <p:txBody>
+              <a:bodyPr wrap="none" rtlCol="0">
+                <a:spAutoFit/>
+              </a:bodyPr>
+              <a:lstStyle/>
+              <a:p>
+                <a14:m>
+                  <m:oMath xmlns:m="http://schemas.openxmlformats.org/officeDocument/2006/math">
+                    <m:sSubSup>
+                      <m:sSubSupPr>
+                        <m:ctrlPr>
+                          <a:rPr lang="en-SG" sz="1400" b="1" i="1">
+                            <a:latin typeface="Cambria Math" panose="02040503050406030204" pitchFamily="18" charset="0"/>
+                            <a:cs typeface="Times New Roman" panose="02020603050405020304" pitchFamily="18" charset="0"/>
+                          </a:rPr>
+                        </m:ctrlPr>
+                      </m:sSubSupPr>
+                      <m:e>
+                        <m:r>
+                          <a:rPr lang="en-SG" sz="1400" b="1" i="1">
+                            <a:latin typeface="Cambria Math" panose="02040503050406030204" pitchFamily="18" charset="0"/>
+                            <a:cs typeface="Times New Roman" panose="02020603050405020304" pitchFamily="18" charset="0"/>
+                          </a:rPr>
+                          <m:t>𝑲</m:t>
+                        </m:r>
+                      </m:e>
+                      <m:sub>
+                        <m:r>
+                          <a:rPr lang="en-SG" sz="1400" b="1" i="1">
+                            <a:latin typeface="Cambria Math" panose="02040503050406030204" pitchFamily="18" charset="0"/>
+                            <a:cs typeface="Times New Roman" panose="02020603050405020304" pitchFamily="18" charset="0"/>
+                          </a:rPr>
+                          <m:t>𝒔</m:t>
+                        </m:r>
+                      </m:sub>
+                      <m:sup>
+                        <m:r>
+                          <a:rPr lang="en-SG" sz="1400" b="1" i="1">
+                            <a:latin typeface="Cambria Math" panose="02040503050406030204" pitchFamily="18" charset="0"/>
+                            <a:cs typeface="Times New Roman" panose="02020603050405020304" pitchFamily="18" charset="0"/>
+                          </a:rPr>
+                          <m:t>+</m:t>
+                        </m:r>
+                      </m:sup>
+                    </m:sSubSup>
+                  </m:oMath>
+                </a14:m>
+                <a:r>
+                  <a:rPr lang="en-SG" sz="1400" dirty="0">
+                    <a:latin typeface="Times New Roman" panose="02020603050405020304" pitchFamily="18" charset="0"/>
+                    <a:cs typeface="Times New Roman" panose="02020603050405020304" pitchFamily="18" charset="0"/>
+                  </a:rPr>
+                  <a:t>(file block 1)</a:t>
+                </a:r>
+              </a:p>
+            </p:txBody>
+          </p:sp>
+        </mc:Choice>
+        <mc:Fallback xmlns="">
+          <p:sp>
+            <p:nvSpPr>
+              <p:cNvPr id="41" name="TextBox 40">
+                <a:extLst>
+                  <a:ext uri="{FF2B5EF4-FFF2-40B4-BE49-F238E27FC236}">
+                    <a16:creationId xmlns:a16="http://schemas.microsoft.com/office/drawing/2014/main" id="{2D09D614-821F-4D83-B27D-385E1B7A3281}"/>
+                  </a:ext>
+                </a:extLst>
+              </p:cNvPr>
+              <p:cNvSpPr txBox="1">
+                <a:spLocks noRot="1" noChangeAspect="1" noMove="1" noResize="1" noEditPoints="1" noAdjustHandles="1" noChangeArrowheads="1" noChangeShapeType="1" noTextEdit="1"/>
+              </p:cNvSpPr>
+              <p:nvPr/>
+            </p:nvSpPr>
+            <p:spPr>
+              <a:xfrm rot="324564">
+                <a:off x="2730181" y="6873552"/>
+                <a:ext cx="1360694" cy="307777"/>
+              </a:xfrm>
+              <a:prstGeom prst="rect">
+                <a:avLst/>
+              </a:prstGeom>
+              <a:blipFill>
+                <a:blip r:embed="rId9"/>
+                <a:stretch>
+                  <a:fillRect r="-439" b="-12500"/>
+                </a:stretch>
+              </a:blipFill>
+            </p:spPr>
+            <p:txBody>
+              <a:bodyPr/>
+              <a:lstStyle/>
+              <a:p>
+                <a:r>
+                  <a:rPr lang="en-SG">
+                    <a:noFill/>
+                  </a:rPr>
+                  <a:t> </a:t>
+                </a:r>
+              </a:p>
+            </p:txBody>
+          </p:sp>
+        </mc:Fallback>
+      </mc:AlternateContent>
+      <p:cxnSp>
+        <p:nvCxnSpPr>
+          <p:cNvPr id="42" name="Straight Arrow Connector 41">
+            <a:extLst>
+              <a:ext uri="{FF2B5EF4-FFF2-40B4-BE49-F238E27FC236}">
+                <a16:creationId xmlns:a16="http://schemas.microsoft.com/office/drawing/2014/main" id="{704285AC-BD24-4BE4-909C-DAB07AA9C0FF}"/>
+              </a:ext>
+            </a:extLst>
+          </p:cNvPr>
+          <p:cNvCxnSpPr/>
+          <p:nvPr/>
+        </p:nvCxnSpPr>
+        <p:spPr>
+          <a:xfrm>
+            <a:off x="1499414" y="7744431"/>
+            <a:ext cx="3893293" cy="381000"/>
+          </a:xfrm>
+          <a:prstGeom prst="straightConnector1">
+            <a:avLst/>
+          </a:prstGeom>
+          <a:ln w="12700">
+            <a:headEnd type="none" w="med" len="med"/>
+            <a:tailEnd type="arrow" w="med" len="med"/>
+          </a:ln>
+        </p:spPr>
+        <p:style>
+          <a:lnRef idx="1">
+            <a:schemeClr val="dk1"/>
+          </a:lnRef>
+          <a:fillRef idx="0">
+            <a:schemeClr val="dk1"/>
+          </a:fillRef>
+          <a:effectRef idx="0">
+            <a:schemeClr val="dk1"/>
+          </a:effectRef>
+          <a:fontRef idx="minor">
+            <a:schemeClr val="tx1"/>
+          </a:fontRef>
+        </p:style>
+      </p:cxnSp>
+      <mc:AlternateContent xmlns:mc="http://schemas.openxmlformats.org/markup-compatibility/2006" xmlns:a14="http://schemas.microsoft.com/office/drawing/2010/main">
+        <mc:Choice Requires="a14">
+          <p:sp>
+            <p:nvSpPr>
+              <p:cNvPr id="43" name="TextBox 42">
+                <a:extLst>
+                  <a:ext uri="{FF2B5EF4-FFF2-40B4-BE49-F238E27FC236}">
+                    <a16:creationId xmlns:a16="http://schemas.microsoft.com/office/drawing/2014/main" id="{3D8500EF-889F-4DB3-A3D9-14E32EA04868}"/>
+                  </a:ext>
+                </a:extLst>
+              </p:cNvPr>
+              <p:cNvSpPr txBox="1"/>
+              <p:nvPr/>
+            </p:nvSpPr>
+            <p:spPr>
+              <a:xfrm rot="324564">
+                <a:off x="2730182" y="7646519"/>
+                <a:ext cx="1360694" cy="307777"/>
+              </a:xfrm>
+              <a:prstGeom prst="rect">
+                <a:avLst/>
+              </a:prstGeom>
+              <a:noFill/>
+            </p:spPr>
+            <p:txBody>
+              <a:bodyPr wrap="none" rtlCol="0">
+                <a:spAutoFit/>
+              </a:bodyPr>
+              <a:lstStyle/>
+              <a:p>
+                <a14:m>
+                  <m:oMath xmlns:m="http://schemas.openxmlformats.org/officeDocument/2006/math">
+                    <m:sSubSup>
+                      <m:sSubSupPr>
+                        <m:ctrlPr>
+                          <a:rPr lang="en-SG" sz="1400" b="1" i="1">
+                            <a:latin typeface="Cambria Math" panose="02040503050406030204" pitchFamily="18" charset="0"/>
+                            <a:cs typeface="Times New Roman" panose="02020603050405020304" pitchFamily="18" charset="0"/>
+                          </a:rPr>
+                        </m:ctrlPr>
+                      </m:sSubSupPr>
+                      <m:e>
+                        <m:r>
+                          <a:rPr lang="en-SG" sz="1400" b="1" i="1">
+                            <a:latin typeface="Cambria Math" panose="02040503050406030204" pitchFamily="18" charset="0"/>
+                            <a:cs typeface="Times New Roman" panose="02020603050405020304" pitchFamily="18" charset="0"/>
+                          </a:rPr>
+                          <m:t>𝑲</m:t>
+                        </m:r>
+                      </m:e>
+                      <m:sub>
+                        <m:r>
+                          <a:rPr lang="en-SG" sz="1400" b="1" i="1">
+                            <a:latin typeface="Cambria Math" panose="02040503050406030204" pitchFamily="18" charset="0"/>
+                            <a:cs typeface="Times New Roman" panose="02020603050405020304" pitchFamily="18" charset="0"/>
+                          </a:rPr>
+                          <m:t>𝒔</m:t>
+                        </m:r>
+                      </m:sub>
+                      <m:sup>
+                        <m:r>
+                          <a:rPr lang="en-SG" sz="1400" b="1" i="1">
+                            <a:latin typeface="Cambria Math" panose="02040503050406030204" pitchFamily="18" charset="0"/>
+                            <a:cs typeface="Times New Roman" panose="02020603050405020304" pitchFamily="18" charset="0"/>
+                          </a:rPr>
+                          <m:t>+</m:t>
+                        </m:r>
+                      </m:sup>
+                    </m:sSubSup>
+                  </m:oMath>
+                </a14:m>
+                <a:r>
+                  <a:rPr lang="en-SG" sz="1400" dirty="0">
+                    <a:latin typeface="Times New Roman" panose="02020603050405020304" pitchFamily="18" charset="0"/>
+                    <a:cs typeface="Times New Roman" panose="02020603050405020304" pitchFamily="18" charset="0"/>
+                  </a:rPr>
+                  <a:t>(file block n)</a:t>
+                </a:r>
+              </a:p>
+            </p:txBody>
+          </p:sp>
+        </mc:Choice>
+        <mc:Fallback xmlns="">
+          <p:sp>
+            <p:nvSpPr>
+              <p:cNvPr id="43" name="TextBox 42">
+                <a:extLst>
+                  <a:ext uri="{FF2B5EF4-FFF2-40B4-BE49-F238E27FC236}">
+                    <a16:creationId xmlns:a16="http://schemas.microsoft.com/office/drawing/2014/main" id="{3D8500EF-889F-4DB3-A3D9-14E32EA04868}"/>
+                  </a:ext>
+                </a:extLst>
+              </p:cNvPr>
+              <p:cNvSpPr txBox="1">
+                <a:spLocks noRot="1" noChangeAspect="1" noMove="1" noResize="1" noEditPoints="1" noAdjustHandles="1" noChangeArrowheads="1" noChangeShapeType="1" noTextEdit="1"/>
+              </p:cNvSpPr>
+              <p:nvPr/>
+            </p:nvSpPr>
+            <p:spPr>
+              <a:xfrm rot="324564">
+                <a:off x="2730182" y="7646519"/>
+                <a:ext cx="1360694" cy="307777"/>
+              </a:xfrm>
+              <a:prstGeom prst="rect">
+                <a:avLst/>
+              </a:prstGeom>
+              <a:blipFill>
+                <a:blip r:embed="rId10"/>
+                <a:stretch>
+                  <a:fillRect r="-439" b="-12329"/>
+                </a:stretch>
+              </a:blipFill>
+            </p:spPr>
+            <p:txBody>
+              <a:bodyPr/>
+              <a:lstStyle/>
+              <a:p>
+                <a:r>
+                  <a:rPr lang="en-SG">
+                    <a:noFill/>
+                  </a:rPr>
+                  <a:t> </a:t>
+                </a:r>
+              </a:p>
+            </p:txBody>
+          </p:sp>
+        </mc:Fallback>
+      </mc:AlternateContent>
+      <p:sp>
+        <p:nvSpPr>
+          <p:cNvPr id="44" name="TextBox 43">
+            <a:extLst>
+              <a:ext uri="{FF2B5EF4-FFF2-40B4-BE49-F238E27FC236}">
+                <a16:creationId xmlns:a16="http://schemas.microsoft.com/office/drawing/2014/main" id="{DD0E0920-389C-4670-A404-13E8E59C9175}"/>
+              </a:ext>
+            </a:extLst>
+          </p:cNvPr>
+          <p:cNvSpPr txBox="1"/>
+          <p:nvPr/>
+        </p:nvSpPr>
+        <p:spPr>
+          <a:xfrm>
+            <a:off x="3300559" y="7100032"/>
+            <a:ext cx="219932" cy="600164"/>
+          </a:xfrm>
+          <a:prstGeom prst="rect">
+            <a:avLst/>
+          </a:prstGeom>
+          <a:noFill/>
+        </p:spPr>
+        <p:txBody>
+          <a:bodyPr wrap="none" rtlCol="0">
+            <a:spAutoFit/>
+          </a:bodyPr>
+          <a:lstStyle/>
+          <a:p>
+            <a:r>
+              <a:rPr lang="en-SG" sz="1100" b="1" dirty="0">
+                <a:latin typeface="Times New Roman" panose="02020603050405020304" pitchFamily="18" charset="0"/>
+                <a:cs typeface="Times New Roman" panose="02020603050405020304" pitchFamily="18" charset="0"/>
+              </a:rPr>
+              <a:t>.</a:t>
+            </a:r>
+          </a:p>
+          <a:p>
+            <a:r>
+              <a:rPr lang="en-SG" sz="1100" b="1" dirty="0">
+                <a:latin typeface="Times New Roman" panose="02020603050405020304" pitchFamily="18" charset="0"/>
+                <a:cs typeface="Times New Roman" panose="02020603050405020304" pitchFamily="18" charset="0"/>
+              </a:rPr>
+              <a:t>.</a:t>
+            </a:r>
+          </a:p>
+          <a:p>
+            <a:r>
+              <a:rPr lang="en-SG" sz="1100" b="1" dirty="0">
+                <a:latin typeface="Times New Roman" panose="02020603050405020304" pitchFamily="18" charset="0"/>
+                <a:cs typeface="Times New Roman" panose="02020603050405020304" pitchFamily="18" charset="0"/>
+              </a:rPr>
+              <a:t>.</a:t>
+            </a:r>
+          </a:p>
+        </p:txBody>
+      </p:sp>
+      <p:cxnSp>
+        <p:nvCxnSpPr>
+          <p:cNvPr id="45" name="Straight Arrow Connector 44">
+            <a:extLst>
+              <a:ext uri="{FF2B5EF4-FFF2-40B4-BE49-F238E27FC236}">
+                <a16:creationId xmlns:a16="http://schemas.microsoft.com/office/drawing/2014/main" id="{134DFE8F-6C0D-4721-9F85-B11B37392658}"/>
+              </a:ext>
+            </a:extLst>
+          </p:cNvPr>
+          <p:cNvCxnSpPr/>
+          <p:nvPr/>
+        </p:nvCxnSpPr>
+        <p:spPr>
+          <a:xfrm>
+            <a:off x="1512215" y="8814682"/>
+            <a:ext cx="3893293" cy="381000"/>
+          </a:xfrm>
+          <a:prstGeom prst="straightConnector1">
+            <a:avLst/>
+          </a:prstGeom>
+          <a:ln w="12700">
+            <a:headEnd type="none" w="med" len="med"/>
+            <a:tailEnd type="arrow" w="med" len="med"/>
+          </a:ln>
+        </p:spPr>
+        <p:style>
+          <a:lnRef idx="1">
+            <a:schemeClr val="dk1"/>
+          </a:lnRef>
+          <a:fillRef idx="0">
+            <a:schemeClr val="dk1"/>
+          </a:fillRef>
+          <a:effectRef idx="0">
+            <a:schemeClr val="dk1"/>
+          </a:effectRef>
+          <a:fontRef idx="minor">
+            <a:schemeClr val="tx1"/>
+          </a:fontRef>
+        </p:style>
+      </p:cxnSp>
+      <p:sp>
+        <p:nvSpPr>
+          <p:cNvPr id="46" name="TextBox 45">
+            <a:extLst>
+              <a:ext uri="{FF2B5EF4-FFF2-40B4-BE49-F238E27FC236}">
+                <a16:creationId xmlns:a16="http://schemas.microsoft.com/office/drawing/2014/main" id="{2EFA03E7-577E-45D9-A627-22EE7DDD945A}"/>
+              </a:ext>
+            </a:extLst>
+          </p:cNvPr>
+          <p:cNvSpPr txBox="1"/>
+          <p:nvPr/>
+        </p:nvSpPr>
+        <p:spPr>
+          <a:xfrm rot="324564">
+            <a:off x="2709034" y="8716770"/>
+            <a:ext cx="1428596" cy="307777"/>
+          </a:xfrm>
+          <a:prstGeom prst="rect">
+            <a:avLst/>
+          </a:prstGeom>
+          <a:noFill/>
+        </p:spPr>
+        <p:txBody>
+          <a:bodyPr wrap="none" rtlCol="0">
+            <a:spAutoFit/>
+          </a:bodyPr>
+          <a:lstStyle/>
+          <a:p>
+            <a:r>
+              <a:rPr lang="en-SG" sz="1400" dirty="0">
+                <a:latin typeface="Times New Roman" panose="02020603050405020304" pitchFamily="18" charset="0"/>
+                <a:cs typeface="Times New Roman" panose="02020603050405020304" pitchFamily="18" charset="0"/>
+              </a:rPr>
+              <a:t>Close connection</a:t>
+            </a:r>
+          </a:p>
+        </p:txBody>
+      </p:sp>
+      <mc:AlternateContent xmlns:mc="http://schemas.openxmlformats.org/markup-compatibility/2006">
+        <mc:Choice xmlns:a14="http://schemas.microsoft.com/office/drawing/2010/main" Requires="a14">
+          <p:sp>
+            <p:nvSpPr>
+              <p:cNvPr id="47" name="TextBox 46">
+                <a:extLst>
+                  <a:ext uri="{FF2B5EF4-FFF2-40B4-BE49-F238E27FC236}">
+                    <a16:creationId xmlns:a16="http://schemas.microsoft.com/office/drawing/2014/main" id="{BD3906B7-D81D-4CAA-BE6B-148421D6B084}"/>
+                  </a:ext>
+                </a:extLst>
+              </p:cNvPr>
+              <p:cNvSpPr txBox="1"/>
+              <p:nvPr/>
+            </p:nvSpPr>
+            <p:spPr>
+              <a:xfrm>
+                <a:off x="5533974" y="7277187"/>
+                <a:ext cx="1809096" cy="523220"/>
+              </a:xfrm>
+              <a:prstGeom prst="rect">
+                <a:avLst/>
+              </a:prstGeom>
+              <a:noFill/>
+              <a:ln>
+                <a:solidFill>
+                  <a:schemeClr val="tx1"/>
+                </a:solidFill>
+              </a:ln>
+            </p:spPr>
+            <p:txBody>
+              <a:bodyPr wrap="square" rtlCol="0">
+                <a:spAutoFit/>
+              </a:bodyPr>
+              <a:lstStyle/>
+              <a:p>
+                <a:r>
+                  <a:rPr lang="en-SG" sz="1400" dirty="0">
+                    <a:latin typeface="Times New Roman" panose="02020603050405020304" pitchFamily="18" charset="0"/>
+                    <a:cs typeface="Times New Roman" panose="02020603050405020304" pitchFamily="18" charset="0"/>
+                  </a:rPr>
+                  <a:t>- Decrypt file block  (</a:t>
+                </a:r>
+                <a14:m>
+                  <m:oMath xmlns:m="http://schemas.openxmlformats.org/officeDocument/2006/math">
+                    <m:sSubSup>
+                      <m:sSubSupPr>
+                        <m:ctrlPr>
+                          <a:rPr lang="en-SG" sz="1400" b="1" i="1">
+                            <a:latin typeface="Cambria Math" panose="02040503050406030204" pitchFamily="18" charset="0"/>
+                            <a:cs typeface="Times New Roman" panose="02020603050405020304" pitchFamily="18" charset="0"/>
+                          </a:rPr>
+                        </m:ctrlPr>
+                      </m:sSubSupPr>
+                      <m:e>
+                        <m:r>
+                          <a:rPr lang="en-SG" sz="1400" b="1" i="1">
+                            <a:latin typeface="Cambria Math" panose="02040503050406030204" pitchFamily="18" charset="0"/>
+                            <a:cs typeface="Times New Roman" panose="02020603050405020304" pitchFamily="18" charset="0"/>
+                          </a:rPr>
+                          <m:t>𝑲</m:t>
+                        </m:r>
+                      </m:e>
+                      <m:sub>
+                        <m:r>
+                          <a:rPr lang="en-SG" sz="1400" b="1" i="1">
+                            <a:latin typeface="Cambria Math" panose="02040503050406030204" pitchFamily="18" charset="0"/>
+                            <a:cs typeface="Times New Roman" panose="02020603050405020304" pitchFamily="18" charset="0"/>
+                          </a:rPr>
+                          <m:t>𝑺</m:t>
+                        </m:r>
+                      </m:sub>
+                      <m:sup>
+                        <m:r>
+                          <a:rPr lang="en-SG" sz="1400" b="1" i="1">
+                            <a:latin typeface="Cambria Math" panose="02040503050406030204" pitchFamily="18" charset="0"/>
+                            <a:cs typeface="Times New Roman" panose="02020603050405020304" pitchFamily="18" charset="0"/>
+                          </a:rPr>
+                          <m:t>−</m:t>
+                        </m:r>
+                      </m:sup>
+                    </m:sSubSup>
+                  </m:oMath>
+                </a14:m>
+                <a:r>
+                  <a:rPr lang="en-SG" sz="1400" dirty="0">
+                    <a:latin typeface="Times New Roman" panose="02020603050405020304" pitchFamily="18" charset="0"/>
+                    <a:cs typeface="Times New Roman" panose="02020603050405020304" pitchFamily="18" charset="0"/>
+                  </a:rPr>
+                  <a:t>(file block))</a:t>
+                </a:r>
+              </a:p>
+            </p:txBody>
+          </p:sp>
+        </mc:Choice>
+        <mc:Fallback>
+          <p:sp>
+            <p:nvSpPr>
+              <p:cNvPr id="47" name="TextBox 46">
+                <a:extLst>
+                  <a:ext uri="{FF2B5EF4-FFF2-40B4-BE49-F238E27FC236}">
+                    <a16:creationId xmlns:a16="http://schemas.microsoft.com/office/drawing/2014/main" id="{BD3906B7-D81D-4CAA-BE6B-148421D6B084}"/>
+                  </a:ext>
+                </a:extLst>
+              </p:cNvPr>
+              <p:cNvSpPr txBox="1">
+                <a:spLocks noRot="1" noChangeAspect="1" noMove="1" noResize="1" noEditPoints="1" noAdjustHandles="1" noChangeArrowheads="1" noChangeShapeType="1" noTextEdit="1"/>
+              </p:cNvSpPr>
+              <p:nvPr/>
+            </p:nvSpPr>
+            <p:spPr>
+              <a:xfrm>
+                <a:off x="5533974" y="7277187"/>
+                <a:ext cx="1809096" cy="523220"/>
+              </a:xfrm>
+              <a:prstGeom prst="rect">
+                <a:avLst/>
+              </a:prstGeom>
+              <a:blipFill>
+                <a:blip r:embed="rId11"/>
+                <a:stretch>
+                  <a:fillRect l="-669" t="-1136" b="-9091"/>
+                </a:stretch>
+              </a:blipFill>
+              <a:ln>
+                <a:solidFill>
+                  <a:schemeClr val="tx1"/>
+                </a:solidFill>
+              </a:ln>
+            </p:spPr>
+            <p:txBody>
+              <a:bodyPr/>
+              <a:lstStyle/>
+              <a:p>
+                <a:r>
+                  <a:rPr lang="en-SG">
+                    <a:noFill/>
+                  </a:rPr>
+                  <a:t> </a:t>
+                </a:r>
+              </a:p>
+            </p:txBody>
+          </p:sp>
+        </mc:Fallback>
+      </mc:AlternateContent>
+      <mc:AlternateContent xmlns:mc="http://schemas.openxmlformats.org/markup-compatibility/2006">
+        <mc:Choice xmlns:a14="http://schemas.microsoft.com/office/drawing/2010/main" Requires="a14">
+          <p:sp>
+            <p:nvSpPr>
+              <p:cNvPr id="48" name="TextBox 47">
+                <a:extLst>
+                  <a:ext uri="{FF2B5EF4-FFF2-40B4-BE49-F238E27FC236}">
+                    <a16:creationId xmlns:a16="http://schemas.microsoft.com/office/drawing/2014/main" id="{03033782-259F-4F39-B879-18CB63D80BDA}"/>
+                  </a:ext>
+                </a:extLst>
+              </p:cNvPr>
+              <p:cNvSpPr txBox="1"/>
+              <p:nvPr/>
+            </p:nvSpPr>
+            <p:spPr>
+              <a:xfrm>
+                <a:off x="5526369" y="6586479"/>
+                <a:ext cx="1809097" cy="523220"/>
+              </a:xfrm>
+              <a:prstGeom prst="rect">
+                <a:avLst/>
+              </a:prstGeom>
+              <a:noFill/>
+              <a:ln>
+                <a:solidFill>
+                  <a:schemeClr val="tx1"/>
+                </a:solidFill>
+              </a:ln>
+            </p:spPr>
+            <p:txBody>
+              <a:bodyPr wrap="square" rtlCol="0">
+                <a:spAutoFit/>
+              </a:bodyPr>
+              <a:lstStyle/>
+              <a:p>
+                <a:r>
+                  <a:rPr lang="en-SG" sz="1400" dirty="0">
+                    <a:latin typeface="Times New Roman" panose="02020603050405020304" pitchFamily="18" charset="0"/>
+                    <a:cs typeface="Times New Roman" panose="02020603050405020304" pitchFamily="18" charset="0"/>
+                  </a:rPr>
+                  <a:t>- Decrypt file name  (</a:t>
+                </a:r>
+                <a14:m>
+                  <m:oMath xmlns:m="http://schemas.openxmlformats.org/officeDocument/2006/math">
+                    <m:sSubSup>
+                      <m:sSubSupPr>
+                        <m:ctrlPr>
+                          <a:rPr lang="en-SG" sz="1400" b="1" i="1">
+                            <a:latin typeface="Cambria Math" panose="02040503050406030204" pitchFamily="18" charset="0"/>
+                            <a:cs typeface="Times New Roman" panose="02020603050405020304" pitchFamily="18" charset="0"/>
+                          </a:rPr>
+                        </m:ctrlPr>
+                      </m:sSubSupPr>
+                      <m:e>
+                        <m:r>
+                          <a:rPr lang="en-SG" sz="1400" b="1" i="1">
+                            <a:latin typeface="Cambria Math" panose="02040503050406030204" pitchFamily="18" charset="0"/>
+                            <a:cs typeface="Times New Roman" panose="02020603050405020304" pitchFamily="18" charset="0"/>
+                          </a:rPr>
+                          <m:t>𝑲</m:t>
+                        </m:r>
+                      </m:e>
+                      <m:sub>
+                        <m:r>
+                          <a:rPr lang="en-SG" sz="1400" b="1" i="1">
+                            <a:latin typeface="Cambria Math" panose="02040503050406030204" pitchFamily="18" charset="0"/>
+                            <a:cs typeface="Times New Roman" panose="02020603050405020304" pitchFamily="18" charset="0"/>
+                          </a:rPr>
+                          <m:t>𝑺</m:t>
+                        </m:r>
+                      </m:sub>
+                      <m:sup>
+                        <m:r>
+                          <a:rPr lang="en-SG" sz="1400" b="1" i="1">
+                            <a:latin typeface="Cambria Math" panose="02040503050406030204" pitchFamily="18" charset="0"/>
+                            <a:cs typeface="Times New Roman" panose="02020603050405020304" pitchFamily="18" charset="0"/>
+                          </a:rPr>
+                          <m:t>−</m:t>
+                        </m:r>
+                      </m:sup>
+                    </m:sSubSup>
+                  </m:oMath>
+                </a14:m>
+                <a:r>
+                  <a:rPr lang="en-SG" sz="1400" dirty="0">
+                    <a:latin typeface="Times New Roman" panose="02020603050405020304" pitchFamily="18" charset="0"/>
+                    <a:cs typeface="Times New Roman" panose="02020603050405020304" pitchFamily="18" charset="0"/>
+                  </a:rPr>
+                  <a:t>(file name))</a:t>
+                </a:r>
+              </a:p>
+            </p:txBody>
+          </p:sp>
+        </mc:Choice>
+        <mc:Fallback>
+          <p:sp>
+            <p:nvSpPr>
+              <p:cNvPr id="48" name="TextBox 47">
+                <a:extLst>
+                  <a:ext uri="{FF2B5EF4-FFF2-40B4-BE49-F238E27FC236}">
+                    <a16:creationId xmlns:a16="http://schemas.microsoft.com/office/drawing/2014/main" id="{03033782-259F-4F39-B879-18CB63D80BDA}"/>
+                  </a:ext>
+                </a:extLst>
+              </p:cNvPr>
+              <p:cNvSpPr txBox="1">
+                <a:spLocks noRot="1" noChangeAspect="1" noMove="1" noResize="1" noEditPoints="1" noAdjustHandles="1" noChangeArrowheads="1" noChangeShapeType="1" noTextEdit="1"/>
+              </p:cNvSpPr>
+              <p:nvPr/>
+            </p:nvSpPr>
+            <p:spPr>
+              <a:xfrm>
+                <a:off x="5526369" y="6586479"/>
+                <a:ext cx="1809097" cy="523220"/>
+              </a:xfrm>
+              <a:prstGeom prst="rect">
+                <a:avLst/>
+              </a:prstGeom>
+              <a:blipFill>
+                <a:blip r:embed="rId12"/>
+                <a:stretch>
+                  <a:fillRect l="-671" b="-10227"/>
+                </a:stretch>
+              </a:blipFill>
+              <a:ln>
+                <a:solidFill>
+                  <a:schemeClr val="tx1"/>
+                </a:solidFill>
+              </a:ln>
+            </p:spPr>
+            <p:txBody>
+              <a:bodyPr/>
+              <a:lstStyle/>
+              <a:p>
+                <a:r>
+                  <a:rPr lang="en-SG">
+                    <a:noFill/>
+                  </a:rPr>
+                  <a:t> </a:t>
+                </a:r>
+              </a:p>
+            </p:txBody>
+          </p:sp>
+        </mc:Fallback>
+      </mc:AlternateContent>
+      <p:sp>
+        <p:nvSpPr>
+          <p:cNvPr id="50" name="TextBox 49">
+            <a:extLst>
+              <a:ext uri="{FF2B5EF4-FFF2-40B4-BE49-F238E27FC236}">
+                <a16:creationId xmlns:a16="http://schemas.microsoft.com/office/drawing/2014/main" id="{48DAF81F-78FC-4CA9-A5A4-E3909581D8F0}"/>
+              </a:ext>
+            </a:extLst>
+          </p:cNvPr>
+          <p:cNvSpPr txBox="1"/>
+          <p:nvPr/>
+        </p:nvSpPr>
+        <p:spPr>
+          <a:xfrm>
+            <a:off x="2771110" y="226425"/>
+            <a:ext cx="1184940" cy="646331"/>
+          </a:xfrm>
+          <a:prstGeom prst="rect">
+            <a:avLst/>
+          </a:prstGeom>
+          <a:noFill/>
+        </p:spPr>
+        <p:txBody>
+          <a:bodyPr wrap="none" rtlCol="0">
+            <a:spAutoFit/>
+          </a:bodyPr>
+          <a:lstStyle/>
+          <a:p>
+            <a:r>
+              <a:rPr lang="en-SG" sz="3600" b="1" dirty="0">
+                <a:latin typeface="Times New Roman" panose="02020603050405020304" pitchFamily="18" charset="0"/>
+                <a:cs typeface="Times New Roman" panose="02020603050405020304" pitchFamily="18" charset="0"/>
+              </a:rPr>
+              <a:t>CP-1</a:t>
+            </a:r>
+          </a:p>
+        </p:txBody>
+      </p:sp>
+    </p:spTree>
+    <p:extLst>
+      <p:ext uri="{BB962C8B-B14F-4D97-AF65-F5344CB8AC3E}">
+        <p14:creationId xmlns:p14="http://schemas.microsoft.com/office/powerpoint/2010/main" val="3006393963"/>
       </p:ext>
     </p:extLst>
   </p:cSld>
